--- a/crafter_presentation_enhanced.pptx
+++ b/crafter_presentation_enhanced.pptx
@@ -3281,54 +3281,35 @@
       </p:sp>
       <p:sp>
         <p:nvSpPr>
-          <p:cNvPr id="7" name="Rounded Rectangle 6"/>
-          <p:cNvSpPr/>
+          <p:cNvPr id="7" name="TextBox 6"/>
+          <p:cNvSpPr txBox="1"/>
           <p:nvPr/>
         </p:nvSpPr>
         <p:spPr>
           <a:xfrm>
-            <a:off x="914400" y="5486400"/>
-            <a:ext cx="7315200" cy="914400"/>
-          </a:xfrm>
-          <a:prstGeom prst="roundRect">
+            <a:off x="457200" y="5486400"/>
+            <a:ext cx="8229600" cy="457200"/>
+          </a:xfrm>
+          <a:prstGeom prst="rect">
             <a:avLst/>
           </a:prstGeom>
-          <a:solidFill>
-            <a:srgbClr val="009900"/>
-          </a:solidFill>
-          <a:ln>
-            <a:solidFill>
-              <a:srgbClr val="009900"/>
-            </a:solidFill>
-          </a:ln>
-        </p:spPr>
-        <p:style>
-          <a:lnRef idx="1">
-            <a:schemeClr val="accent1"/>
-          </a:lnRef>
-          <a:fillRef idx="3">
-            <a:schemeClr val="accent1"/>
-          </a:fillRef>
-          <a:effectRef idx="2">
-            <a:schemeClr val="accent1"/>
-          </a:effectRef>
-          <a:fontRef idx="minor">
-            <a:schemeClr val="lt1"/>
-          </a:fontRef>
-        </p:style>
-        <p:txBody>
-          <a:bodyPr rtlCol="0" anchor="ctr"/>
+          <a:noFill/>
+        </p:spPr>
+        <p:txBody>
+          <a:bodyPr wrap="none">
+            <a:spAutoFit/>
+          </a:bodyPr>
           <a:lstStyle/>
           <a:p>
             <a:pPr algn="ctr">
-              <a:defRPr sz="1600" b="1">
-                <a:solidFill>
-                  <a:srgbClr val="FFFFFF"/>
-                </a:solidFill>
-              </a:defRPr>
-            </a:pPr>
-            <a:r>
-              <a:t>4.90 reward (5.4× better than random)  •  10/22 achievements  •  6 experiments × 3 seeds</a:t>
+              <a:defRPr sz="1600">
+                <a:solidFill>
+                  <a:srgbClr val="646464"/>
+                </a:solidFill>
+              </a:defRPr>
+            </a:pPr>
+            <a:r>
+              <a:t>Advanced Topics in Artificial Intelligence</a:t>
             </a:r>
           </a:p>
         </p:txBody>
@@ -3381,14 +3362,49 @@
               </a:defRPr>
             </a:pPr>
             <a:r>
-              <a:t>Training Metrics: Loss and Q-Values Evolution</a:t>
+              <a:t>Training Metrics: Internal Learning Dynamics</a:t>
+            </a:r>
+          </a:p>
+        </p:txBody>
+      </p:sp>
+      <p:sp>
+        <p:nvSpPr>
+          <p:cNvPr id="3" name="TextBox 2"/>
+          <p:cNvSpPr txBox="1"/>
+          <p:nvPr/>
+        </p:nvSpPr>
+        <p:spPr>
+          <a:xfrm>
+            <a:off x="182880" y="868680"/>
+            <a:ext cx="8778240" cy="228600"/>
+          </a:xfrm>
+          <a:prstGeom prst="rect">
+            <a:avLst/>
+          </a:prstGeom>
+          <a:noFill/>
+        </p:spPr>
+        <p:txBody>
+          <a:bodyPr wrap="none">
+            <a:spAutoFit/>
+          </a:bodyPr>
+          <a:lstStyle/>
+          <a:p>
+            <a:pPr algn="ctr">
+              <a:defRPr sz="1200" b="1">
+                <a:solidFill>
+                  <a:srgbClr val="003366"/>
+                </a:solidFill>
+              </a:defRPr>
+            </a:pPr>
+            <a:r>
+              <a:t>What's Happening Inside: TD loss convergence + Q-value evolution + exploration decay = healthy learning signal</a:t>
             </a:r>
           </a:p>
         </p:txBody>
       </p:sp>
       <p:pic>
         <p:nvPicPr>
-          <p:cNvPr id="3" name="Picture 2" descr="training_metrics.png"/>
+          <p:cNvPr id="4" name="Picture 3" descr="training_metrics.png"/>
           <p:cNvPicPr>
             <a:picLocks noChangeAspect="1"/>
           </p:cNvPicPr>
@@ -3402,7 +3418,7 @@
         </p:blipFill>
         <p:spPr>
           <a:xfrm>
-            <a:off x="182880" y="1097280"/>
+            <a:off x="182880" y="1143000"/>
             <a:ext cx="8778240" cy="4361183"/>
           </a:xfrm>
           <a:prstGeom prst="rect">
@@ -3412,40 +3428,81 @@
       </p:pic>
       <p:sp>
         <p:nvSpPr>
-          <p:cNvPr id="4" name="TextBox 3"/>
-          <p:cNvSpPr txBox="1"/>
+          <p:cNvPr id="5" name="Rounded Rectangle 4"/>
+          <p:cNvSpPr/>
           <p:nvPr/>
         </p:nvSpPr>
         <p:spPr>
           <a:xfrm>
-            <a:off x="457200" y="6217920"/>
-            <a:ext cx="8229600" cy="457200"/>
-          </a:xfrm>
-          <a:prstGeom prst="rect">
+            <a:off x="457200" y="5943600"/>
+            <a:ext cx="8229600" cy="685800"/>
+          </a:xfrm>
+          <a:prstGeom prst="roundRect">
             <a:avLst/>
           </a:prstGeom>
-          <a:noFill/>
-        </p:spPr>
-        <p:txBody>
-          <a:bodyPr wrap="square">
-            <a:spAutoFit/>
-          </a:bodyPr>
-          <a:lstStyle/>
-          <a:p/>
+          <a:solidFill>
+            <a:srgbClr val="F0FAF0"/>
+          </a:solidFill>
+          <a:ln>
+            <a:solidFill>
+              <a:srgbClr val="009900"/>
+            </a:solidFill>
+          </a:ln>
+        </p:spPr>
+        <p:style>
+          <a:lnRef idx="1">
+            <a:schemeClr val="accent1"/>
+          </a:lnRef>
+          <a:fillRef idx="3">
+            <a:schemeClr val="accent1"/>
+          </a:fillRef>
+          <a:effectRef idx="2">
+            <a:schemeClr val="accent1"/>
+          </a:effectRef>
+          <a:fontRef idx="minor">
+            <a:schemeClr val="lt1"/>
+          </a:fontRef>
+        </p:style>
+        <p:txBody>
+          <a:bodyPr rtlCol="0" anchor="ctr" wrap="square"/>
+          <a:lstStyle/>
+          <a:p>
+            <a:pPr algn="ctr"/>
+          </a:p>
           <a:p>
             <a:pPr>
-              <a:defRPr sz="1200" b="0"/>
-            </a:pPr>
-            <a:r>
-              <a:t>Loss converges to ~0.014 | Q-values stabilize at 3-5 (matching returns) | Epsilon decay 1.0→0.01</a:t>
-            </a:r>
-          </a:p>
-          <a:p>
-            <a:pPr>
+              <a:defRPr sz="1300" b="1">
+                <a:solidFill>
+                  <a:srgbClr val="003366"/>
+                </a:solidFill>
+              </a:defRPr>
+            </a:pPr>
+            <a:r>
+              <a:t>What This Tells Us: All signs of stable, healthy learning</a:t>
+            </a:r>
+          </a:p>
+          <a:p>
+            <a:pPr lvl="1">
               <a:defRPr sz="1100" b="0"/>
             </a:pPr>
             <a:r>
-              <a:t>Healthy learning dynamics: No divergence, stable convergence, appropriate Q-value magnitudes</a:t>
+              <a:t>TD Loss (top-left): Converges from 0.02→0.014, no divergence = Q-network learns accurate value predictions</a:t>
+            </a:r>
+          </a:p>
+          <a:p>
+            <a:pPr lvl="1">
+              <a:defRPr sz="1100" b="0"/>
+            </a:pPr>
+            <a:r>
+              <a:t>Q-Values (top-right): Stabilize at 3-5 range, matches actual episode returns (4.90) = well-calibrated</a:t>
+            </a:r>
+          </a:p>
+          <a:p>
+            <a:pPr lvl="1">
+              <a:defRPr sz="1100" b="0"/>
+            </a:pPr>
+            <a:r>
+              <a:t>Epsilon (bottom): Smooth decay 1.0→0.01 over 50k steps = balanced exploration → exploitation transition</a:t>
             </a:r>
           </a:p>
         </p:txBody>
@@ -5473,9 +5530,44 @@
           </a:p>
         </p:txBody>
       </p:sp>
+      <p:sp>
+        <p:nvSpPr>
+          <p:cNvPr id="4" name="TextBox 3"/>
+          <p:cNvSpPr txBox="1"/>
+          <p:nvPr/>
+        </p:nvSpPr>
+        <p:spPr>
+          <a:xfrm>
+            <a:off x="274320" y="868680"/>
+            <a:ext cx="8595360" cy="274320"/>
+          </a:xfrm>
+          <a:prstGeom prst="rect">
+            <a:avLst/>
+          </a:prstGeom>
+          <a:noFill/>
+        </p:spPr>
+        <p:txBody>
+          <a:bodyPr wrap="none">
+            <a:spAutoFit/>
+          </a:bodyPr>
+          <a:lstStyle/>
+          <a:p>
+            <a:pPr algn="ctr">
+              <a:defRPr sz="1200" b="1">
+                <a:solidFill>
+                  <a:srgbClr val="003366"/>
+                </a:solidFill>
+              </a:defRPr>
+            </a:pPr>
+            <a:r>
+              <a:t>Systematic Testing: Base DQN + 3 enhancements (Double DQN, Dueling, N-step) + exploration schedules = 8 configurations × 3 seeds each</a:t>
+            </a:r>
+          </a:p>
+        </p:txBody>
+      </p:sp>
       <p:graphicFrame>
         <p:nvGraphicFramePr>
-          <p:cNvPr id="4" name="Table 3"/>
+          <p:cNvPr id="5" name="Table 4"/>
           <p:cNvGraphicFramePr>
             <a:graphicFrameLocks noGrp="1"/>
           </p:cNvGraphicFramePr>
@@ -5483,7 +5575,7 @@
         </p:nvGraphicFramePr>
         <p:xfrm>
           <a:off x="274320" y="1188720"/>
-          <a:ext cx="8595360" cy="5029200"/>
+          <a:ext cx="8595360" cy="4572000"/>
         </p:xfrm>
         <a:graphic>
           <a:graphicData uri="http://schemas.openxmlformats.org/drawingml/2006/table">
@@ -5498,7 +5590,7 @@
                 <a:gridCol w="1371600"/>
                 <a:gridCol w="1188720"/>
               </a:tblGrid>
-              <a:tr h="558800">
+              <a:tr h="508000">
                 <a:tc>
                   <a:txBody>
                     <a:bodyPr/>
@@ -5615,7 +5707,7 @@
                   </a:tcPr>
                 </a:tc>
               </a:tr>
-              <a:tr h="558800">
+              <a:tr h="508000">
                 <a:tc>
                   <a:txBody>
                     <a:bodyPr/>
@@ -5692,7 +5784,7 @@
                   <a:tcPr/>
                 </a:tc>
               </a:tr>
-              <a:tr h="558800">
+              <a:tr h="508000">
                 <a:tc>
                   <a:txBody>
                     <a:bodyPr/>
@@ -5761,7 +5853,7 @@
                   <a:tcPr/>
                 </a:tc>
               </a:tr>
-              <a:tr h="558800">
+              <a:tr h="508000">
                 <a:tc>
                   <a:txBody>
                     <a:bodyPr/>
@@ -5838,7 +5930,7 @@
                   <a:tcPr/>
                 </a:tc>
               </a:tr>
-              <a:tr h="558800">
+              <a:tr h="508000">
                 <a:tc>
                   <a:txBody>
                     <a:bodyPr/>
@@ -5919,7 +6011,7 @@
                   <a:tcPr/>
                 </a:tc>
               </a:tr>
-              <a:tr h="558800">
+              <a:tr h="508000">
                 <a:tc>
                   <a:txBody>
                     <a:bodyPr/>
@@ -5996,7 +6088,7 @@
                   <a:tcPr/>
                 </a:tc>
               </a:tr>
-              <a:tr h="558800">
+              <a:tr h="508000">
                 <a:tc>
                   <a:txBody>
                     <a:bodyPr/>
@@ -6073,7 +6165,7 @@
                   <a:tcPr/>
                 </a:tc>
               </a:tr>
-              <a:tr h="558800">
+              <a:tr h="508000">
                 <a:tc>
                   <a:txBody>
                     <a:bodyPr/>
@@ -6170,7 +6262,7 @@
                   </a:tcPr>
                 </a:tc>
               </a:tr>
-              <a:tr h="558800">
+              <a:tr h="508000">
                 <a:tc>
                   <a:txBody>
                     <a:bodyPr/>
@@ -6273,14 +6365,71 @@
       </p:graphicFrame>
       <p:sp>
         <p:nvSpPr>
-          <p:cNvPr id="5" name="TextBox 4"/>
+          <p:cNvPr id="6" name="Rounded Rectangle 5"/>
+          <p:cNvSpPr/>
+          <p:nvPr/>
+        </p:nvSpPr>
+        <p:spPr>
+          <a:xfrm>
+            <a:off x="274320" y="5852160"/>
+            <a:ext cx="8595360" cy="502920"/>
+          </a:xfrm>
+          <a:prstGeom prst="roundRect">
+            <a:avLst/>
+          </a:prstGeom>
+          <a:solidFill>
+            <a:srgbClr val="FFFAC8"/>
+          </a:solidFill>
+          <a:ln>
+            <a:solidFill>
+              <a:srgbClr val="C89600"/>
+            </a:solidFill>
+          </a:ln>
+        </p:spPr>
+        <p:style>
+          <a:lnRef idx="1">
+            <a:schemeClr val="accent1"/>
+          </a:lnRef>
+          <a:fillRef idx="3">
+            <a:schemeClr val="accent1"/>
+          </a:fillRef>
+          <a:effectRef idx="2">
+            <a:schemeClr val="accent1"/>
+          </a:effectRef>
+          <a:fontRef idx="minor">
+            <a:schemeClr val="lt1"/>
+          </a:fontRef>
+        </p:style>
+        <p:txBody>
+          <a:bodyPr rtlCol="0" anchor="ctr" wrap="square"/>
+          <a:lstStyle/>
+          <a:p>
+            <a:pPr algn="ctr"/>
+          </a:p>
+          <a:p>
+            <a:pPr>
+              <a:defRPr sz="1200" b="1">
+                <a:solidFill>
+                  <a:srgbClr val="644600"/>
+                </a:solidFill>
+              </a:defRPr>
+            </a:pPr>
+            <a:r>
+              <a:t>Key Findings: Double DQN + Dueling is optimal (⭐ 4.90 reward). N-step helps but less than Double+Dueling. Munchausen causes instability (2.37 reward). Extended exploration HURTS performance (-12-15%).</a:t>
+            </a:r>
+          </a:p>
+        </p:txBody>
+      </p:sp>
+      <p:sp>
+        <p:nvSpPr>
+          <p:cNvPr id="7" name="TextBox 6"/>
           <p:cNvSpPr txBox="1"/>
           <p:nvPr/>
         </p:nvSpPr>
         <p:spPr>
           <a:xfrm>
-            <a:off x="274320" y="6400800"/>
-            <a:ext cx="8595360" cy="274320"/>
+            <a:off x="274320" y="6446520"/>
+            <a:ext cx="8595360" cy="228600"/>
           </a:xfrm>
           <a:prstGeom prst="rect">
             <a:avLst/>
@@ -6293,11 +6442,11 @@
           </a:bodyPr>
           <a:lstStyle/>
           <a:p>
-            <a:pPr>
+            <a:pPr algn="ctr">
               <a:defRPr sz="1000" i="1"/>
             </a:pPr>
             <a:r>
-              <a:t>⭐ = Best configuration  |  Total training: 8 experiments × 3 seeds × 1M steps = 24M steps  |  ~75 GPU-hours</a:t>
+              <a:t>All results: Mean ± Std over 3 seeds  |  Training: 1M steps per run  |  Total: 24M steps (~75 GPU-hours)</a:t>
             </a:r>
           </a:p>
         </p:txBody>
@@ -6350,14 +6499,49 @@
               </a:defRPr>
             </a:pPr>
             <a:r>
-              <a:t>Performance Comparison Across All Experiments</a:t>
+              <a:t>Best Configuration: Enhanced DQN Performance</a:t>
+            </a:r>
+          </a:p>
+        </p:txBody>
+      </p:sp>
+      <p:sp>
+        <p:nvSpPr>
+          <p:cNvPr id="3" name="TextBox 2"/>
+          <p:cNvSpPr txBox="1"/>
+          <p:nvPr/>
+        </p:nvSpPr>
+        <p:spPr>
+          <a:xfrm>
+            <a:off x="274320" y="868680"/>
+            <a:ext cx="8595360" cy="274320"/>
+          </a:xfrm>
+          <a:prstGeom prst="rect">
+            <a:avLst/>
+          </a:prstGeom>
+          <a:noFill/>
+        </p:spPr>
+        <p:txBody>
+          <a:bodyPr wrap="none">
+            <a:spAutoFit/>
+          </a:bodyPr>
+          <a:lstStyle/>
+          <a:p>
+            <a:pPr algn="ctr">
+              <a:defRPr sz="1200" b="1">
+                <a:solidFill>
+                  <a:srgbClr val="0070C0"/>
+                </a:solidFill>
+              </a:defRPr>
+            </a:pPr>
+            <a:r>
+              <a:t>Why This Configuration? Double DQN fixes overestimation + Dueling separates value/advantage = more stable Q-values</a:t>
             </a:r>
           </a:p>
         </p:txBody>
       </p:sp>
       <p:pic>
         <p:nvPicPr>
-          <p:cNvPr id="3" name="Picture 2" descr="summary.png"/>
+          <p:cNvPr id="4" name="Picture 3" descr="summary.png"/>
           <p:cNvPicPr>
             <a:picLocks noChangeAspect="1"/>
           </p:cNvPicPr>
@@ -6381,35 +6565,73 @@
       </p:pic>
       <p:sp>
         <p:nvSpPr>
-          <p:cNvPr id="4" name="TextBox 3"/>
-          <p:cNvSpPr txBox="1"/>
+          <p:cNvPr id="5" name="Rounded Rectangle 4"/>
+          <p:cNvSpPr/>
           <p:nvPr/>
         </p:nvSpPr>
         <p:spPr>
           <a:xfrm>
-            <a:off x="457200" y="6217920"/>
-            <a:ext cx="8229600" cy="457200"/>
-          </a:xfrm>
-          <a:prstGeom prst="rect">
+            <a:off x="457200" y="5943600"/>
+            <a:ext cx="8229600" cy="731520"/>
+          </a:xfrm>
+          <a:prstGeom prst="roundRect">
             <a:avLst/>
           </a:prstGeom>
-          <a:noFill/>
-        </p:spPr>
-        <p:txBody>
-          <a:bodyPr wrap="square">
-            <a:spAutoFit/>
-          </a:bodyPr>
-          <a:lstStyle/>
-          <a:p>
-            <a:pPr algn="ctr">
-              <a:defRPr sz="1400" b="1">
-                <a:solidFill>
-                  <a:srgbClr val="009900"/>
-                </a:solidFill>
-              </a:defRPr>
-            </a:pPr>
-            <a:r>
-              <a:t>Key Finding: Double DQN + Dueling achieves highest reward (4.90) with lowest variance (0.16)</a:t>
+          <a:solidFill>
+            <a:srgbClr val="E6FFE6"/>
+          </a:solidFill>
+          <a:ln>
+            <a:solidFill>
+              <a:srgbClr val="009900"/>
+            </a:solidFill>
+          </a:ln>
+        </p:spPr>
+        <p:style>
+          <a:lnRef idx="1">
+            <a:schemeClr val="accent1"/>
+          </a:lnRef>
+          <a:fillRef idx="3">
+            <a:schemeClr val="accent1"/>
+          </a:fillRef>
+          <a:effectRef idx="2">
+            <a:schemeClr val="accent1"/>
+          </a:effectRef>
+          <a:fontRef idx="minor">
+            <a:schemeClr val="lt1"/>
+          </a:fontRef>
+        </p:style>
+        <p:txBody>
+          <a:bodyPr rtlCol="0" anchor="ctr" wrap="square"/>
+          <a:lstStyle/>
+          <a:p>
+            <a:pPr algn="ctr"/>
+          </a:p>
+          <a:p>
+            <a:pPr>
+              <a:defRPr sz="1300" b="1">
+                <a:solidFill>
+                  <a:srgbClr val="003366"/>
+                </a:solidFill>
+              </a:defRPr>
+            </a:pPr>
+            <a:r>
+              <a:t>What This Shows: 4-panel visualization of our best agent</a:t>
+            </a:r>
+          </a:p>
+          <a:p>
+            <a:pPr lvl="1">
+              <a:defRPr sz="1100" b="0"/>
+            </a:pPr>
+            <a:r>
+              <a:t>Top-left: Reward progression (4.90 ± 0.16, 5.4× better than random) | Top-right: 10/22 achievements unlocked</a:t>
+            </a:r>
+          </a:p>
+          <a:p>
+            <a:pPr lvl="1">
+              <a:defRPr sz="1100" b="0"/>
+            </a:pPr>
+            <a:r>
+              <a:t>Bottom-left: Stable Q-values &amp; low loss | Bottom-right: Success rates across all 22 Crafter skills</a:t>
             </a:r>
           </a:p>
         </p:txBody>
@@ -6462,14 +6684,49 @@
               </a:defRPr>
             </a:pPr>
             <a:r>
-              <a:t>Training Dynamics: Learning Over Time</a:t>
+              <a:t>Training Dynamics: How the Agent Learns</a:t>
+            </a:r>
+          </a:p>
+        </p:txBody>
+      </p:sp>
+      <p:sp>
+        <p:nvSpPr>
+          <p:cNvPr id="3" name="TextBox 2"/>
+          <p:cNvSpPr txBox="1"/>
+          <p:nvPr/>
+        </p:nvSpPr>
+        <p:spPr>
+          <a:xfrm>
+            <a:off x="274320" y="868680"/>
+            <a:ext cx="8595360" cy="228600"/>
+          </a:xfrm>
+          <a:prstGeom prst="rect">
+            <a:avLst/>
+          </a:prstGeom>
+          <a:noFill/>
+        </p:spPr>
+        <p:txBody>
+          <a:bodyPr wrap="none">
+            <a:spAutoFit/>
+          </a:bodyPr>
+          <a:lstStyle/>
+          <a:p>
+            <a:pPr algn="ctr">
+              <a:defRPr sz="1200" b="1">
+                <a:solidFill>
+                  <a:srgbClr val="003366"/>
+                </a:solidFill>
+              </a:defRPr>
+            </a:pPr>
+            <a:r>
+              <a:t>MANDATORY PLOT: Average Episodic Reward Over Training - Shows both training progress and evaluation performance</a:t>
             </a:r>
           </a:p>
         </p:txBody>
       </p:sp>
       <p:pic>
         <p:nvPicPr>
-          <p:cNvPr id="3" name="Picture 2" descr="rewards.png"/>
+          <p:cNvPr id="4" name="Picture 3" descr="rewards.png"/>
           <p:cNvPicPr>
             <a:picLocks noChangeAspect="1"/>
           </p:cNvPicPr>
@@ -6483,7 +6740,7 @@
         </p:blipFill>
         <p:spPr>
           <a:xfrm>
-            <a:off x="274320" y="1097280"/>
+            <a:off x="274320" y="1143000"/>
             <a:ext cx="8595360" cy="2819601"/>
           </a:xfrm>
           <a:prstGeom prst="rect">
@@ -6493,40 +6750,81 @@
       </p:pic>
       <p:sp>
         <p:nvSpPr>
-          <p:cNvPr id="4" name="TextBox 3"/>
-          <p:cNvSpPr txBox="1"/>
+          <p:cNvPr id="5" name="Rounded Rectangle 4"/>
+          <p:cNvSpPr/>
           <p:nvPr/>
         </p:nvSpPr>
         <p:spPr>
           <a:xfrm>
-            <a:off x="457200" y="6126480"/>
-            <a:ext cx="8229600" cy="548640"/>
-          </a:xfrm>
-          <a:prstGeom prst="rect">
+            <a:off x="457200" y="5943600"/>
+            <a:ext cx="8229600" cy="685800"/>
+          </a:xfrm>
+          <a:prstGeom prst="roundRect">
             <a:avLst/>
           </a:prstGeom>
-          <a:noFill/>
-        </p:spPr>
-        <p:txBody>
-          <a:bodyPr wrap="square">
-            <a:spAutoFit/>
-          </a:bodyPr>
-          <a:lstStyle/>
-          <a:p/>
+          <a:solidFill>
+            <a:srgbClr val="F0F5FF"/>
+          </a:solidFill>
+          <a:ln>
+            <a:solidFill>
+              <a:srgbClr val="0070C0"/>
+            </a:solidFill>
+          </a:ln>
+        </p:spPr>
+        <p:style>
+          <a:lnRef idx="1">
+            <a:schemeClr val="accent1"/>
+          </a:lnRef>
+          <a:fillRef idx="3">
+            <a:schemeClr val="accent1"/>
+          </a:fillRef>
+          <a:effectRef idx="2">
+            <a:schemeClr val="accent1"/>
+          </a:effectRef>
+          <a:fontRef idx="minor">
+            <a:schemeClr val="lt1"/>
+          </a:fontRef>
+        </p:style>
+        <p:txBody>
+          <a:bodyPr rtlCol="0" anchor="ctr" wrap="square"/>
+          <a:lstStyle/>
+          <a:p>
+            <a:pPr algn="ctr"/>
+          </a:p>
           <a:p>
             <a:pPr>
-              <a:defRPr sz="1200" b="1"/>
-            </a:pPr>
-            <a:r>
-              <a:t>MANDATORY PLOT: Average episodic reward showing training &amp; evaluation</a:t>
-            </a:r>
-          </a:p>
-          <a:p>
-            <a:pPr>
+              <a:defRPr sz="1300" b="1">
+                <a:solidFill>
+                  <a:srgbClr val="003366"/>
+                </a:solidFill>
+              </a:defRPr>
+            </a:pPr>
+            <a:r>
+              <a:t>What We See: Three distinct learning phases</a:t>
+            </a:r>
+          </a:p>
+          <a:p>
+            <a:pPr lvl="1">
               <a:defRPr sz="1100" b="0"/>
             </a:pPr>
             <a:r>
-              <a:t>Phase 1 (0-50k): Random exploration | Phase 2 (50k-200k): Rapid learning | Phase 3 (200k-1M): Refinement</a:t>
+              <a:t>Phase 1 (0-50k steps): Exploration phase - ε decays from 1.0→0.01, agent explores randomly, reward increases slowly</a:t>
+            </a:r>
+          </a:p>
+          <a:p>
+            <a:pPr lvl="1">
+              <a:defRPr sz="1100" b="0"/>
+            </a:pPr>
+            <a:r>
+              <a:t>Phase 2 (50k-200k): Rapid learning - exploitation begins, sharp performance gain, reaches ~4.0 reward</a:t>
+            </a:r>
+          </a:p>
+          <a:p>
+            <a:pPr lvl="1">
+              <a:defRPr sz="1100" b="0"/>
+            </a:pPr>
+            <a:r>
+              <a:t>Phase 3 (200k-1M): Refinement - gradual improvement to 4.90 ± 0.16, low variance = stable policy</a:t>
             </a:r>
           </a:p>
         </p:txBody>
@@ -7008,14 +7306,49 @@
               </a:defRPr>
             </a:pPr>
             <a:r>
-              <a:t>Training Curves: Standard vs Extended Exploration</a:t>
+              <a:t>Visual Proof: Extended Exploration Hurts Performance</a:t>
+            </a:r>
+          </a:p>
+        </p:txBody>
+      </p:sp>
+      <p:sp>
+        <p:nvSpPr>
+          <p:cNvPr id="3" name="TextBox 2"/>
+          <p:cNvSpPr txBox="1"/>
+          <p:nvPr/>
+        </p:nvSpPr>
+        <p:spPr>
+          <a:xfrm>
+            <a:off x="182880" y="868680"/>
+            <a:ext cx="8778240" cy="228600"/>
+          </a:xfrm>
+          <a:prstGeom prst="rect">
+            <a:avLst/>
+          </a:prstGeom>
+          <a:noFill/>
+        </p:spPr>
+        <p:txBody>
+          <a:bodyPr wrap="none">
+            <a:spAutoFit/>
+          </a:bodyPr>
+          <a:lstStyle/>
+          <a:p>
+            <a:pPr algn="ctr">
+              <a:defRPr sz="1200" b="1">
+                <a:solidFill>
+                  <a:srgbClr val="003366"/>
+                </a:solidFill>
+              </a:defRPr>
+            </a:pPr>
+            <a:r>
+              <a:t>Direct Comparison: Same algorithm, same hyperparameters, only difference is ε-decay schedule (50k vs 200k steps)</a:t>
             </a:r>
           </a:p>
         </p:txBody>
       </p:sp>
       <p:pic>
         <p:nvPicPr>
-          <p:cNvPr id="3" name="Picture 2" descr="rewards.png"/>
+          <p:cNvPr id="4" name="Picture 3" descr="rewards.png"/>
           <p:cNvPicPr>
             <a:picLocks noChangeAspect="1"/>
           </p:cNvPicPr>
@@ -7029,8 +7362,8 @@
         </p:blipFill>
         <p:spPr>
           <a:xfrm>
-            <a:off x="182880" y="1097280"/>
-            <a:ext cx="4389120" cy="1439796"/>
+            <a:off x="457200" y="1143000"/>
+            <a:ext cx="8229600" cy="2699618"/>
           </a:xfrm>
           <a:prstGeom prst="rect">
             <a:avLst/>
@@ -7039,14 +7372,14 @@
       </p:pic>
       <p:sp>
         <p:nvSpPr>
-          <p:cNvPr id="4" name="TextBox 3"/>
+          <p:cNvPr id="5" name="TextBox 4"/>
           <p:cNvSpPr txBox="1"/>
           <p:nvPr/>
         </p:nvSpPr>
         <p:spPr>
           <a:xfrm>
-            <a:off x="182880" y="1097280"/>
-            <a:ext cx="4389120" cy="365760"/>
+            <a:off x="457200" y="1143000"/>
+            <a:ext cx="8229600" cy="365760"/>
           </a:xfrm>
           <a:prstGeom prst="rect">
             <a:avLst/>
@@ -7069,14 +7402,14 @@
               </a:defRPr>
             </a:pPr>
             <a:r>
-              <a:t>Standard (50k ε-decay) - BEST</a:t>
+              <a:t>Standard Schedule (50k ε-decay): ε from 1.0→0.01 over 50k steps ✓ BEST PERFORMANCE</a:t>
             </a:r>
           </a:p>
         </p:txBody>
       </p:sp>
       <p:pic>
         <p:nvPicPr>
-          <p:cNvPr id="5" name="Picture 4" descr="rewards.png"/>
+          <p:cNvPr id="6" name="Picture 5" descr="rewards.png"/>
           <p:cNvPicPr>
             <a:picLocks noChangeAspect="1"/>
           </p:cNvPicPr>
@@ -7090,8 +7423,8 @@
         </p:blipFill>
         <p:spPr>
           <a:xfrm>
-            <a:off x="4572000" y="1097280"/>
-            <a:ext cx="4389120" cy="1439474"/>
+            <a:off x="457200" y="3657600"/>
+            <a:ext cx="8229600" cy="2699014"/>
           </a:xfrm>
           <a:prstGeom prst="rect">
             <a:avLst/>
@@ -7100,14 +7433,14 @@
       </p:pic>
       <p:sp>
         <p:nvSpPr>
-          <p:cNvPr id="6" name="TextBox 5"/>
+          <p:cNvPr id="7" name="TextBox 6"/>
           <p:cNvSpPr txBox="1"/>
           <p:nvPr/>
         </p:nvSpPr>
         <p:spPr>
           <a:xfrm>
-            <a:off x="4572000" y="1097280"/>
-            <a:ext cx="4389120" cy="365760"/>
+            <a:off x="457200" y="3657600"/>
+            <a:ext cx="8229600" cy="365760"/>
           </a:xfrm>
           <a:prstGeom prst="rect">
             <a:avLst/>
@@ -7130,38 +7463,64 @@
               </a:defRPr>
             </a:pPr>
             <a:r>
-              <a:t>Extended (200k ε-decay) - Lower Performance</a:t>
-            </a:r>
-          </a:p>
-        </p:txBody>
-      </p:sp>
-      <p:sp>
-        <p:nvSpPr>
-          <p:cNvPr id="7" name="TextBox 6"/>
-          <p:cNvSpPr txBox="1"/>
+              <a:t>Extended Schedule (200k ε-decay): ε from 1.0→0.05 over 200k steps ✗ LOWER PERFORMANCE (-12%)</a:t>
+            </a:r>
+          </a:p>
+        </p:txBody>
+      </p:sp>
+      <p:sp>
+        <p:nvSpPr>
+          <p:cNvPr id="8" name="Rounded Rectangle 7"/>
+          <p:cNvSpPr/>
           <p:nvPr/>
         </p:nvSpPr>
         <p:spPr>
           <a:xfrm>
             <a:off x="457200" y="6217920"/>
-            <a:ext cx="8229600" cy="457200"/>
-          </a:xfrm>
-          <a:prstGeom prst="rect">
+            <a:ext cx="8229600" cy="411480"/>
+          </a:xfrm>
+          <a:prstGeom prst="roundRect">
             <a:avLst/>
           </a:prstGeom>
-          <a:noFill/>
-        </p:spPr>
-        <p:txBody>
-          <a:bodyPr wrap="none">
-            <a:spAutoFit/>
-          </a:bodyPr>
-          <a:lstStyle/>
-          <a:p>
-            <a:pPr algn="ctr">
-              <a:defRPr sz="1300" b="1"/>
-            </a:pPr>
-            <a:r>
-              <a:t>Notice: Extended schedule (right) shows slower convergence and more variance despite 4× more exploration time</a:t>
+          <a:solidFill>
+            <a:srgbClr val="FFF0F0"/>
+          </a:solidFill>
+          <a:ln>
+            <a:solidFill>
+              <a:srgbClr val="CC0000"/>
+            </a:solidFill>
+          </a:ln>
+        </p:spPr>
+        <p:style>
+          <a:lnRef idx="1">
+            <a:schemeClr val="accent1"/>
+          </a:lnRef>
+          <a:fillRef idx="3">
+            <a:schemeClr val="accent1"/>
+          </a:fillRef>
+          <a:effectRef idx="2">
+            <a:schemeClr val="accent1"/>
+          </a:effectRef>
+          <a:fontRef idx="minor">
+            <a:schemeClr val="lt1"/>
+          </a:fontRef>
+        </p:style>
+        <p:txBody>
+          <a:bodyPr rtlCol="0" anchor="ctr" wrap="square"/>
+          <a:lstStyle/>
+          <a:p>
+            <a:pPr algn="ctr"/>
+          </a:p>
+          <a:p>
+            <a:pPr>
+              <a:defRPr sz="1100" b="1">
+                <a:solidFill>
+                  <a:srgbClr val="CC0000"/>
+                </a:solidFill>
+              </a:defRPr>
+            </a:pPr>
+            <a:r>
+              <a:t>Conclusion: Standard (top) shows sharp improvement at 50k → final 4.90. Extended (bottom) slows learning until 200k → only 4.33 (-12%). Why? Too much random exploration delays Q-network convergence to good policy.</a:t>
             </a:r>
           </a:p>
         </p:txBody>
@@ -7219,9 +7578,44 @@
           </a:p>
         </p:txBody>
       </p:sp>
+      <p:sp>
+        <p:nvSpPr>
+          <p:cNvPr id="3" name="TextBox 2"/>
+          <p:cNvSpPr txBox="1"/>
+          <p:nvPr/>
+        </p:nvSpPr>
+        <p:spPr>
+          <a:xfrm>
+            <a:off x="274320" y="868680"/>
+            <a:ext cx="8595360" cy="274320"/>
+          </a:xfrm>
+          <a:prstGeom prst="rect">
+            <a:avLst/>
+          </a:prstGeom>
+          <a:noFill/>
+        </p:spPr>
+        <p:txBody>
+          <a:bodyPr wrap="none">
+            <a:spAutoFit/>
+          </a:bodyPr>
+          <a:lstStyle/>
+          <a:p>
+            <a:pPr algn="ctr">
+              <a:defRPr sz="1200" b="1">
+                <a:solidFill>
+                  <a:srgbClr val="003366"/>
+                </a:solidFill>
+              </a:defRPr>
+            </a:pPr>
+            <a:r>
+              <a:t>BONUS PLOT: Success rates across all 22 Crafter achievements - Shows what specific skills the agent learned</a:t>
+            </a:r>
+          </a:p>
+        </p:txBody>
+      </p:sp>
       <p:pic>
         <p:nvPicPr>
-          <p:cNvPr id="3" name="Picture 2" descr="achievement_spectrum.png"/>
+          <p:cNvPr id="4" name="Picture 3" descr="achievement_spectrum.png"/>
           <p:cNvPicPr>
             <a:picLocks noChangeAspect="1"/>
           </p:cNvPicPr>
@@ -7245,14 +7639,87 @@
       </p:pic>
       <p:sp>
         <p:nvSpPr>
-          <p:cNvPr id="4" name="Rounded Rectangle 3"/>
+          <p:cNvPr id="5" name="Rounded Rectangle 4"/>
           <p:cNvSpPr/>
           <p:nvPr/>
         </p:nvSpPr>
         <p:spPr>
           <a:xfrm>
-            <a:off x="457200" y="5943600"/>
-            <a:ext cx="2011680" cy="640080"/>
+            <a:off x="457200" y="5303520"/>
+            <a:ext cx="8229600" cy="548640"/>
+          </a:xfrm>
+          <a:prstGeom prst="roundRect">
+            <a:avLst/>
+          </a:prstGeom>
+          <a:solidFill>
+            <a:srgbClr val="FFFAE6"/>
+          </a:solidFill>
+          <a:ln>
+            <a:solidFill>
+              <a:srgbClr val="C89600"/>
+            </a:solidFill>
+          </a:ln>
+        </p:spPr>
+        <p:style>
+          <a:lnRef idx="1">
+            <a:schemeClr val="accent1"/>
+          </a:lnRef>
+          <a:fillRef idx="3">
+            <a:schemeClr val="accent1"/>
+          </a:fillRef>
+          <a:effectRef idx="2">
+            <a:schemeClr val="accent1"/>
+          </a:effectRef>
+          <a:fontRef idx="minor">
+            <a:schemeClr val="lt1"/>
+          </a:fontRef>
+        </p:style>
+        <p:txBody>
+          <a:bodyPr rtlCol="0" anchor="ctr" wrap="square"/>
+          <a:lstStyle/>
+          <a:p>
+            <a:pPr algn="ctr"/>
+          </a:p>
+          <a:p>
+            <a:pPr>
+              <a:defRPr sz="1200" b="1">
+                <a:solidFill>
+                  <a:srgbClr val="644600"/>
+                </a:solidFill>
+              </a:defRPr>
+            </a:pPr>
+            <a:r>
+              <a:t>What We See: Agent mastered basic survival (wood, stone, food) but struggles with complex multi-step tasks</a:t>
+            </a:r>
+          </a:p>
+          <a:p>
+            <a:pPr lvl="1">
+              <a:defRPr sz="1100" b="0"/>
+            </a:pPr>
+            <a:r>
+              <a:t>Strong: Place table (81%), Eat cow (72%), Collect wood/stone/sapling (60-80%) - Simple, immediate-reward tasks</a:t>
+            </a:r>
+          </a:p>
+          <a:p>
+            <a:pPr lvl="1">
+              <a:defRPr sz="1100" b="0"/>
+            </a:pPr>
+            <a:r>
+              <a:t>Weak: Make iron pickaxe (0%), Diamond (0%) - Require long chains of prerequisites: wood→table→pickaxe→stone→furnace→iron</a:t>
+            </a:r>
+          </a:p>
+        </p:txBody>
+      </p:sp>
+      <p:sp>
+        <p:nvSpPr>
+          <p:cNvPr id="6" name="Rounded Rectangle 5"/>
+          <p:cNvSpPr/>
+          <p:nvPr/>
+        </p:nvSpPr>
+        <p:spPr>
+          <a:xfrm>
+            <a:off x="457200" y="6035040"/>
+            <a:ext cx="2011680" cy="548640"/>
           </a:xfrm>
           <a:prstGeom prst="roundRect">
             <a:avLst/>
@@ -7299,14 +7766,14 @@
       </p:sp>
       <p:sp>
         <p:nvSpPr>
-          <p:cNvPr id="5" name="Rounded Rectangle 4"/>
+          <p:cNvPr id="7" name="Rounded Rectangle 6"/>
           <p:cNvSpPr/>
           <p:nvPr/>
         </p:nvSpPr>
         <p:spPr>
           <a:xfrm>
-            <a:off x="2743200" y="5943600"/>
-            <a:ext cx="2011680" cy="640080"/>
+            <a:off x="2651760" y="6035040"/>
+            <a:ext cx="2103120" cy="548640"/>
           </a:xfrm>
           <a:prstGeom prst="roundRect">
             <a:avLst/>
@@ -7353,14 +7820,14 @@
       </p:sp>
       <p:sp>
         <p:nvSpPr>
-          <p:cNvPr id="6" name="Rounded Rectangle 5"/>
+          <p:cNvPr id="8" name="Rounded Rectangle 7"/>
           <p:cNvSpPr/>
           <p:nvPr/>
         </p:nvSpPr>
         <p:spPr>
           <a:xfrm>
-            <a:off x="5029200" y="5943600"/>
-            <a:ext cx="2011680" cy="640080"/>
+            <a:off x="4937760" y="6035040"/>
+            <a:ext cx="2560320" cy="548640"/>
           </a:xfrm>
           <a:prstGeom prst="roundRect">
             <a:avLst/>
@@ -7400,21 +7867,21 @@
               </a:defRPr>
             </a:pPr>
             <a:r>
-              <a:t>Gap to Human: 50% vs 33%</a:t>
-            </a:r>
-          </a:p>
-        </p:txBody>
-      </p:sp>
-      <p:sp>
-        <p:nvSpPr>
-          <p:cNvPr id="7" name="Rounded Rectangle 6"/>
+              <a:t>Gap: Human 50% vs Agent 33%</a:t>
+            </a:r>
+          </a:p>
+        </p:txBody>
+      </p:sp>
+      <p:sp>
+        <p:nvSpPr>
+          <p:cNvPr id="9" name="Rounded Rectangle 8"/>
           <p:cNvSpPr/>
           <p:nvPr/>
         </p:nvSpPr>
         <p:spPr>
           <a:xfrm>
-            <a:off x="7315200" y="5943600"/>
-            <a:ext cx="1371600" cy="640080"/>
+            <a:off x="7680960" y="6035040"/>
+            <a:ext cx="1005840" cy="548640"/>
           </a:xfrm>
           <a:prstGeom prst="roundRect">
             <a:avLst/>

--- a/crafter_presentation_enhanced.pptx
+++ b/crafter_presentation_enhanced.pptx
@@ -6615,7 +6615,7 @@
               </a:defRPr>
             </a:pPr>
             <a:r>
-              <a:t>What This Shows: 4-panel visualization of our best agent</a:t>
+              <a:t>What This Shows: Performance summary of our best configuration (Enhanced DQN)</a:t>
             </a:r>
           </a:p>
           <a:p>
@@ -6623,7 +6623,7 @@
               <a:defRPr sz="1100" b="0"/>
             </a:pPr>
             <a:r>
-              <a:t>Top-left: Reward progression (4.90 ± 0.16, 5.4× better than random) | Top-right: 10/22 achievements unlocked</a:t>
+              <a:t>Top panel: Evaluation reward over training - reaches 4.90 ± 0.16 (5.4× better than random baseline)</a:t>
             </a:r>
           </a:p>
           <a:p>
@@ -6631,7 +6631,7 @@
               <a:defRPr sz="1100" b="0"/>
             </a:pPr>
             <a:r>
-              <a:t>Bottom-left: Stable Q-values &amp; low loss | Bottom-right: Success rates across all 22 Crafter skills</a:t>
+              <a:t>Bottom panel: Episode length - shows how many steps agent survives per episode (longer = better survival)</a:t>
             </a:r>
           </a:p>
         </p:txBody>

--- a/crafter_presentation_enhanced.pptx
+++ b/crafter_presentation_enhanced.pptx
@@ -18,6 +18,7 @@
     <p:sldId id="266" r:id="rId17"/>
     <p:sldId id="267" r:id="rId18"/>
     <p:sldId id="268" r:id="rId19"/>
+    <p:sldId id="269" r:id="rId20"/>
   </p:sldIdLst>
   <p:sldSz cx="9144000" cy="6858000" type="screen4x3"/>
   <p:notesSz cx="6858000" cy="9144000"/>
@@ -3362,7 +3363,7 @@
               </a:defRPr>
             </a:pPr>
             <a:r>
-              <a:t>Training Metrics: Internal Learning Dynamics</a:t>
+              <a:t>Achievement Spectrum: What Skills Were Learned? (BONUS)</a:t>
             </a:r>
           </a:p>
         </p:txBody>
@@ -3375,8 +3376,8 @@
         </p:nvSpPr>
         <p:spPr>
           <a:xfrm>
-            <a:off x="182880" y="868680"/>
-            <a:ext cx="8778240" cy="228600"/>
+            <a:off x="274320" y="868680"/>
+            <a:ext cx="8595360" cy="274320"/>
           </a:xfrm>
           <a:prstGeom prst="rect">
             <a:avLst/>
@@ -3397,14 +3398,14 @@
               </a:defRPr>
             </a:pPr>
             <a:r>
-              <a:t>What's Happening Inside: TD loss convergence + Q-value evolution + exploration decay = healthy learning signal</a:t>
+              <a:t>BONUS PLOT: Success rates across all 22 Crafter achievements - Shows what specific skills the agent learned</a:t>
             </a:r>
           </a:p>
         </p:txBody>
       </p:sp>
       <p:pic>
         <p:nvPicPr>
-          <p:cNvPr id="4" name="Picture 3" descr="training_metrics.png"/>
+          <p:cNvPr id="4" name="Picture 3" descr="achievement_spectrum.png"/>
           <p:cNvPicPr>
             <a:picLocks noChangeAspect="1"/>
           </p:cNvPicPr>
@@ -3418,8 +3419,8 @@
         </p:blipFill>
         <p:spPr>
           <a:xfrm>
-            <a:off x="182880" y="1143000"/>
-            <a:ext cx="8778240" cy="4361183"/>
+            <a:off x="731520" y="1188720"/>
+            <a:ext cx="7680960" cy="6120442"/>
           </a:xfrm>
           <a:prstGeom prst="rect">
             <a:avLst/>
@@ -3434,14 +3435,87 @@
         </p:nvSpPr>
         <p:spPr>
           <a:xfrm>
-            <a:off x="457200" y="5943600"/>
-            <a:ext cx="8229600" cy="685800"/>
+            <a:off x="457200" y="5303520"/>
+            <a:ext cx="8229600" cy="548640"/>
           </a:xfrm>
           <a:prstGeom prst="roundRect">
             <a:avLst/>
           </a:prstGeom>
           <a:solidFill>
-            <a:srgbClr val="F0FAF0"/>
+            <a:srgbClr val="FFFAE6"/>
+          </a:solidFill>
+          <a:ln>
+            <a:solidFill>
+              <a:srgbClr val="C89600"/>
+            </a:solidFill>
+          </a:ln>
+        </p:spPr>
+        <p:style>
+          <a:lnRef idx="1">
+            <a:schemeClr val="accent1"/>
+          </a:lnRef>
+          <a:fillRef idx="3">
+            <a:schemeClr val="accent1"/>
+          </a:fillRef>
+          <a:effectRef idx="2">
+            <a:schemeClr val="accent1"/>
+          </a:effectRef>
+          <a:fontRef idx="minor">
+            <a:schemeClr val="lt1"/>
+          </a:fontRef>
+        </p:style>
+        <p:txBody>
+          <a:bodyPr rtlCol="0" anchor="ctr" wrap="square"/>
+          <a:lstStyle/>
+          <a:p>
+            <a:pPr algn="ctr"/>
+          </a:p>
+          <a:p>
+            <a:pPr>
+              <a:defRPr sz="1200" b="1">
+                <a:solidFill>
+                  <a:srgbClr val="644600"/>
+                </a:solidFill>
+              </a:defRPr>
+            </a:pPr>
+            <a:r>
+              <a:t>What We See: Agent mastered basic survival (wood, stone, food) but struggles with complex multi-step tasks</a:t>
+            </a:r>
+          </a:p>
+          <a:p>
+            <a:pPr lvl="1">
+              <a:defRPr sz="1100" b="0"/>
+            </a:pPr>
+            <a:r>
+              <a:t>Strong: Place table (81%), Eat cow (72%), Collect wood/stone/sapling (60-80%) - Simple, immediate-reward tasks</a:t>
+            </a:r>
+          </a:p>
+          <a:p>
+            <a:pPr lvl="1">
+              <a:defRPr sz="1100" b="0"/>
+            </a:pPr>
+            <a:r>
+              <a:t>Weak: Make iron pickaxe (0%), Diamond (0%) - Require long chains of prerequisites: wood→table→pickaxe→stone→furnace→iron</a:t>
+            </a:r>
+          </a:p>
+        </p:txBody>
+      </p:sp>
+      <p:sp>
+        <p:nvSpPr>
+          <p:cNvPr id="6" name="Rounded Rectangle 5"/>
+          <p:cNvSpPr/>
+          <p:nvPr/>
+        </p:nvSpPr>
+        <p:spPr>
+          <a:xfrm>
+            <a:off x="457200" y="6035040"/>
+            <a:ext cx="2011680" cy="548640"/>
+          </a:xfrm>
+          <a:prstGeom prst="roundRect">
+            <a:avLst/>
+          </a:prstGeom>
+          <a:solidFill>
+            <a:srgbClr val="009900"/>
           </a:solidFill>
           <a:ln>
             <a:solidFill>
@@ -3464,45 +3538,180 @@
           </a:fontRef>
         </p:style>
         <p:txBody>
-          <a:bodyPr rtlCol="0" anchor="ctr" wrap="square"/>
-          <a:lstStyle/>
-          <a:p>
-            <a:pPr algn="ctr"/>
-          </a:p>
-          <a:p>
-            <a:pPr>
-              <a:defRPr sz="1300" b="1">
+          <a:bodyPr rtlCol="0" anchor="ctr"/>
+          <a:lstStyle/>
+          <a:p>
+            <a:pPr algn="ctr">
+              <a:defRPr sz="1400" b="1">
                 <a:solidFill>
-                  <a:srgbClr val="003366"/>
+                  <a:srgbClr val="FFFFFF"/>
                 </a:solidFill>
               </a:defRPr>
             </a:pPr>
             <a:r>
-              <a:t>What This Tells Us: All signs of stable, healthy learning</a:t>
-            </a:r>
-          </a:p>
-          <a:p>
-            <a:pPr lvl="1">
-              <a:defRPr sz="1100" b="0"/>
-            </a:pPr>
-            <a:r>
-              <a:t>TD Loss (top-left): Converges from 0.02→0.014, no divergence = Q-network learns accurate value predictions</a:t>
-            </a:r>
-          </a:p>
-          <a:p>
-            <a:pPr lvl="1">
-              <a:defRPr sz="1100" b="0"/>
-            </a:pPr>
-            <a:r>
-              <a:t>Q-Values (top-right): Stabilize at 3-5 range, matches actual episode returns (4.90) = well-calibrated</a:t>
-            </a:r>
-          </a:p>
-          <a:p>
-            <a:pPr lvl="1">
-              <a:defRPr sz="1100" b="0"/>
-            </a:pPr>
-            <a:r>
-              <a:t>Epsilon (bottom): Smooth decay 1.0→0.01 over 50k steps = balanced exploration → exploitation transition</a:t>
+              <a:t>10/22 Achievements</a:t>
+            </a:r>
+          </a:p>
+        </p:txBody>
+      </p:sp>
+      <p:sp>
+        <p:nvSpPr>
+          <p:cNvPr id="7" name="Rounded Rectangle 6"/>
+          <p:cNvSpPr/>
+          <p:nvPr/>
+        </p:nvSpPr>
+        <p:spPr>
+          <a:xfrm>
+            <a:off x="2651760" y="6035040"/>
+            <a:ext cx="2103120" cy="548640"/>
+          </a:xfrm>
+          <a:prstGeom prst="roundRect">
+            <a:avLst/>
+          </a:prstGeom>
+          <a:solidFill>
+            <a:srgbClr val="0070C0"/>
+          </a:solidFill>
+          <a:ln>
+            <a:solidFill>
+              <a:srgbClr val="0070C0"/>
+            </a:solidFill>
+          </a:ln>
+        </p:spPr>
+        <p:style>
+          <a:lnRef idx="1">
+            <a:schemeClr val="accent1"/>
+          </a:lnRef>
+          <a:fillRef idx="3">
+            <a:schemeClr val="accent1"/>
+          </a:fillRef>
+          <a:effectRef idx="2">
+            <a:schemeClr val="accent1"/>
+          </a:effectRef>
+          <a:fontRef idx="minor">
+            <a:schemeClr val="lt1"/>
+          </a:fontRef>
+        </p:style>
+        <p:txBody>
+          <a:bodyPr rtlCol="0" anchor="ctr"/>
+          <a:lstStyle/>
+          <a:p>
+            <a:pPr algn="ctr">
+              <a:defRPr sz="1400" b="1">
+                <a:solidFill>
+                  <a:srgbClr val="FFFFFF"/>
+                </a:solidFill>
+              </a:defRPr>
+            </a:pPr>
+            <a:r>
+              <a:t>32.91% Crafter Score</a:t>
+            </a:r>
+          </a:p>
+        </p:txBody>
+      </p:sp>
+      <p:sp>
+        <p:nvSpPr>
+          <p:cNvPr id="8" name="Rounded Rectangle 7"/>
+          <p:cNvSpPr/>
+          <p:nvPr/>
+        </p:nvSpPr>
+        <p:spPr>
+          <a:xfrm>
+            <a:off x="4937760" y="6035040"/>
+            <a:ext cx="2560320" cy="548640"/>
+          </a:xfrm>
+          <a:prstGeom prst="roundRect">
+            <a:avLst/>
+          </a:prstGeom>
+          <a:solidFill>
+            <a:srgbClr val="FF9900"/>
+          </a:solidFill>
+          <a:ln>
+            <a:solidFill>
+              <a:srgbClr val="FF9900"/>
+            </a:solidFill>
+          </a:ln>
+        </p:spPr>
+        <p:style>
+          <a:lnRef idx="1">
+            <a:schemeClr val="accent1"/>
+          </a:lnRef>
+          <a:fillRef idx="3">
+            <a:schemeClr val="accent1"/>
+          </a:fillRef>
+          <a:effectRef idx="2">
+            <a:schemeClr val="accent1"/>
+          </a:effectRef>
+          <a:fontRef idx="minor">
+            <a:schemeClr val="lt1"/>
+          </a:fontRef>
+        </p:style>
+        <p:txBody>
+          <a:bodyPr rtlCol="0" anchor="ctr"/>
+          <a:lstStyle/>
+          <a:p>
+            <a:pPr algn="ctr">
+              <a:defRPr sz="1400" b="1">
+                <a:solidFill>
+                  <a:srgbClr val="FFFFFF"/>
+                </a:solidFill>
+              </a:defRPr>
+            </a:pPr>
+            <a:r>
+              <a:t>Gap: Human 50% vs Agent 33%</a:t>
+            </a:r>
+          </a:p>
+        </p:txBody>
+      </p:sp>
+      <p:sp>
+        <p:nvSpPr>
+          <p:cNvPr id="9" name="Rounded Rectangle 8"/>
+          <p:cNvSpPr/>
+          <p:nvPr/>
+        </p:nvSpPr>
+        <p:spPr>
+          <a:xfrm>
+            <a:off x="7680960" y="6035040"/>
+            <a:ext cx="1005840" cy="548640"/>
+          </a:xfrm>
+          <a:prstGeom prst="roundRect">
+            <a:avLst/>
+          </a:prstGeom>
+          <a:solidFill>
+            <a:srgbClr val="009900"/>
+          </a:solidFill>
+          <a:ln>
+            <a:solidFill>
+              <a:srgbClr val="009900"/>
+            </a:solidFill>
+          </a:ln>
+        </p:spPr>
+        <p:style>
+          <a:lnRef idx="1">
+            <a:schemeClr val="accent1"/>
+          </a:lnRef>
+          <a:fillRef idx="3">
+            <a:schemeClr val="accent1"/>
+          </a:fillRef>
+          <a:effectRef idx="2">
+            <a:schemeClr val="accent1"/>
+          </a:effectRef>
+          <a:fontRef idx="minor">
+            <a:schemeClr val="lt1"/>
+          </a:fontRef>
+        </p:style>
+        <p:txBody>
+          <a:bodyPr rtlCol="0" anchor="ctr"/>
+          <a:lstStyle/>
+          <a:p>
+            <a:pPr algn="ctr">
+              <a:defRPr sz="1400" b="1">
+                <a:solidFill>
+                  <a:srgbClr val="FFFFFF"/>
+                </a:solidFill>
+              </a:defRPr>
+            </a:pPr>
+            <a:r>
+              <a:t>BONUS ✓</a:t>
             </a:r>
           </a:p>
         </p:txBody>
@@ -3527,56 +3736,13 @@
       <p:grpSpPr/>
       <p:sp>
         <p:nvSpPr>
-          <p:cNvPr id="2" name="Rectangle 1"/>
-          <p:cNvSpPr/>
-          <p:nvPr/>
-        </p:nvSpPr>
-        <p:spPr>
-          <a:xfrm>
-            <a:off x="0" y="0"/>
-            <a:ext cx="9144000" cy="822960"/>
-          </a:xfrm>
-          <a:prstGeom prst="rect">
-            <a:avLst/>
-          </a:prstGeom>
-          <a:solidFill>
-            <a:srgbClr val="003366"/>
-          </a:solidFill>
-          <a:ln>
-            <a:noFill/>
-          </a:ln>
-        </p:spPr>
-        <p:style>
-          <a:lnRef idx="1">
-            <a:schemeClr val="accent1"/>
-          </a:lnRef>
-          <a:fillRef idx="3">
-            <a:schemeClr val="accent1"/>
-          </a:fillRef>
-          <a:effectRef idx="2">
-            <a:schemeClr val="accent1"/>
-          </a:effectRef>
-          <a:fontRef idx="minor">
-            <a:schemeClr val="lt1"/>
-          </a:fontRef>
-        </p:style>
-        <p:txBody>
-          <a:bodyPr rtlCol="0" anchor="ctr"/>
-          <a:lstStyle/>
-          <a:p>
-            <a:pPr algn="ctr"/>
-          </a:p>
-        </p:txBody>
-      </p:sp>
-      <p:sp>
-        <p:nvSpPr>
-          <p:cNvPr id="3" name="TextBox 2"/>
+          <p:cNvPr id="2" name="TextBox 1"/>
           <p:cNvSpPr txBox="1"/>
           <p:nvPr/>
         </p:nvSpPr>
         <p:spPr>
           <a:xfrm>
-            <a:off x="457200" y="182880"/>
+            <a:off x="457200" y="274320"/>
             <a:ext cx="8229600" cy="548640"/>
           </a:xfrm>
           <a:prstGeom prst="rect">
@@ -3593,32 +3759,91 @@
             <a:pPr>
               <a:defRPr sz="3200" b="1">
                 <a:solidFill>
-                  <a:srgbClr val="FFFFFF"/>
+                  <a:srgbClr val="003366"/>
                 </a:solidFill>
               </a:defRPr>
             </a:pPr>
             <a:r>
-              <a:t>Emergent Behaviors &amp; Observations</a:t>
-            </a:r>
-          </a:p>
-        </p:txBody>
-      </p:sp>
-      <p:sp>
-        <p:nvSpPr>
-          <p:cNvPr id="4" name="Rounded Rectangle 3"/>
+              <a:t>Training Metrics: Internal Learning Dynamics</a:t>
+            </a:r>
+          </a:p>
+        </p:txBody>
+      </p:sp>
+      <p:sp>
+        <p:nvSpPr>
+          <p:cNvPr id="3" name="TextBox 2"/>
+          <p:cNvSpPr txBox="1"/>
+          <p:nvPr/>
+        </p:nvSpPr>
+        <p:spPr>
+          <a:xfrm>
+            <a:off x="182880" y="868680"/>
+            <a:ext cx="8778240" cy="228600"/>
+          </a:xfrm>
+          <a:prstGeom prst="rect">
+            <a:avLst/>
+          </a:prstGeom>
+          <a:noFill/>
+        </p:spPr>
+        <p:txBody>
+          <a:bodyPr wrap="none">
+            <a:spAutoFit/>
+          </a:bodyPr>
+          <a:lstStyle/>
+          <a:p>
+            <a:pPr algn="ctr">
+              <a:defRPr sz="1200" b="1">
+                <a:solidFill>
+                  <a:srgbClr val="003366"/>
+                </a:solidFill>
+              </a:defRPr>
+            </a:pPr>
+            <a:r>
+              <a:t>What's Happening Inside: TD loss convergence + Q-value evolution + exploration decay = healthy learning signal</a:t>
+            </a:r>
+          </a:p>
+        </p:txBody>
+      </p:sp>
+      <p:pic>
+        <p:nvPicPr>
+          <p:cNvPr id="4" name="Picture 3" descr="training_metrics.png"/>
+          <p:cNvPicPr>
+            <a:picLocks noChangeAspect="1"/>
+          </p:cNvPicPr>
+          <p:nvPr/>
+        </p:nvPicPr>
+        <p:blipFill>
+          <a:blip r:embed="rId2"/>
+          <a:stretch>
+            <a:fillRect/>
+          </a:stretch>
+        </p:blipFill>
+        <p:spPr>
+          <a:xfrm>
+            <a:off x="182880" y="1143000"/>
+            <a:ext cx="8778240" cy="4361183"/>
+          </a:xfrm>
+          <a:prstGeom prst="rect">
+            <a:avLst/>
+          </a:prstGeom>
+        </p:spPr>
+      </p:pic>
+      <p:sp>
+        <p:nvSpPr>
+          <p:cNvPr id="5" name="Rounded Rectangle 4"/>
           <p:cNvSpPr/>
           <p:nvPr/>
         </p:nvSpPr>
         <p:spPr>
           <a:xfrm>
-            <a:off x="457200" y="1188720"/>
-            <a:ext cx="2743200" cy="2286000"/>
+            <a:off x="457200" y="5943600"/>
+            <a:ext cx="8229600" cy="685800"/>
           </a:xfrm>
           <a:prstGeom prst="roundRect">
             <a:avLst/>
           </a:prstGeom>
           <a:solidFill>
-            <a:srgbClr val="E6FFE6"/>
+            <a:srgbClr val="F0FAF0"/>
           </a:solidFill>
           <a:ln>
             <a:solidFill>
@@ -3648,330 +3873,38 @@
           </a:p>
           <a:p>
             <a:pPr>
-              <a:defRPr sz="1600" b="1">
-                <a:solidFill>
-                  <a:srgbClr val="009900"/>
-                </a:solidFill>
-              </a:defRPr>
-            </a:pPr>
-            <a:r>
-              <a:t>✅ Successful Strategies</a:t>
-            </a:r>
-          </a:p>
-          <a:p>
-            <a:pPr lvl="1">
-              <a:defRPr sz="1300" b="0"/>
-            </a:pPr>
-            <a:r>
-              <a:t>Resource prioritization</a:t>
-            </a:r>
-          </a:p>
-          <a:p>
-            <a:pPr lvl="1">
-              <a:defRPr sz="1300" b="0"/>
-            </a:pPr>
-            <a:r>
-              <a:t>Food management</a:t>
-            </a:r>
-          </a:p>
-          <a:p>
-            <a:pPr lvl="1">
-              <a:defRPr sz="1300" b="0"/>
-            </a:pPr>
-            <a:r>
-              <a:t>Day/night adaptation</a:t>
-            </a:r>
-          </a:p>
-          <a:p>
-            <a:pPr lvl="1">
-              <a:defRPr sz="1300" b="0"/>
-            </a:pPr>
-            <a:r>
-              <a:t>Tool progression</a:t>
-            </a:r>
-          </a:p>
-          <a:p>
-            <a:pPr lvl="1">
-              <a:defRPr sz="1300" b="0"/>
-            </a:pPr>
-            <a:r>
-              <a:t>Infrastructure placement</a:t>
-            </a:r>
-          </a:p>
-          <a:p>
-            <a:pPr lvl="1">
-              <a:defRPr sz="1300" b="0"/>
-            </a:pPr>
-            <a:r>
-              <a:t>Risk avoidance (emergent!)</a:t>
-            </a:r>
-          </a:p>
-        </p:txBody>
-      </p:sp>
-      <p:sp>
-        <p:nvSpPr>
-          <p:cNvPr id="5" name="Rounded Rectangle 4"/>
-          <p:cNvSpPr/>
-          <p:nvPr/>
-        </p:nvSpPr>
-        <p:spPr>
-          <a:xfrm>
-            <a:off x="3383280" y="1188720"/>
-            <a:ext cx="2743200" cy="2286000"/>
-          </a:xfrm>
-          <a:prstGeom prst="roundRect">
-            <a:avLst/>
-          </a:prstGeom>
-          <a:solidFill>
-            <a:srgbClr val="FFE6E6"/>
-          </a:solidFill>
-          <a:ln>
-            <a:solidFill>
-              <a:srgbClr val="CC0000"/>
-            </a:solidFill>
-          </a:ln>
-        </p:spPr>
-        <p:style>
-          <a:lnRef idx="1">
-            <a:schemeClr val="accent1"/>
-          </a:lnRef>
-          <a:fillRef idx="3">
-            <a:schemeClr val="accent1"/>
-          </a:fillRef>
-          <a:effectRef idx="2">
-            <a:schemeClr val="accent1"/>
-          </a:effectRef>
-          <a:fontRef idx="minor">
-            <a:schemeClr val="lt1"/>
-          </a:fontRef>
-        </p:style>
-        <p:txBody>
-          <a:bodyPr rtlCol="0" anchor="ctr" wrap="square"/>
-          <a:lstStyle/>
-          <a:p>
-            <a:pPr algn="ctr"/>
-          </a:p>
-          <a:p>
-            <a:pPr>
-              <a:defRPr sz="1600" b="1">
-                <a:solidFill>
-                  <a:srgbClr val="CC0000"/>
-                </a:solidFill>
-              </a:defRPr>
-            </a:pPr>
-            <a:r>
-              <a:t>❌ Failure Modes</a:t>
-            </a:r>
-          </a:p>
-          <a:p>
-            <a:pPr lvl="1">
-              <a:defRPr sz="1300" b="0"/>
-            </a:pPr>
-            <a:r>
-              <a:t>Gets stuck in corners</a:t>
-            </a:r>
-          </a:p>
-          <a:p>
-            <a:pPr lvl="1">
-              <a:defRPr sz="1300" b="0"/>
-            </a:pPr>
-            <a:r>
-              <a:t>Ignores rare achievements</a:t>
-            </a:r>
-          </a:p>
-          <a:p>
-            <a:pPr lvl="1">
-              <a:defRPr sz="1300" b="0"/>
-            </a:pPr>
-            <a:r>
-              <a:t>Multi-step planning hard</a:t>
-            </a:r>
-          </a:p>
-          <a:p>
-            <a:pPr lvl="1">
-              <a:defRPr sz="1300" b="0"/>
-            </a:pPr>
-            <a:r>
-              <a:t>Stone/iron tools difficult</a:t>
-            </a:r>
-          </a:p>
-          <a:p>
-            <a:pPr lvl="1">
-              <a:defRPr sz="1300" b="0"/>
-            </a:pPr>
-            <a:r>
-              <a:t>Limited cave exploration</a:t>
-            </a:r>
-          </a:p>
-          <a:p>
-            <a:pPr lvl="1">
-              <a:defRPr sz="1300" b="0"/>
-            </a:pPr>
-            <a:r>
-              <a:t>Diamond tools: 0%</a:t>
-            </a:r>
-          </a:p>
-        </p:txBody>
-      </p:sp>
-      <p:sp>
-        <p:nvSpPr>
-          <p:cNvPr id="6" name="Rounded Rectangle 5"/>
-          <p:cNvSpPr/>
-          <p:nvPr/>
-        </p:nvSpPr>
-        <p:spPr>
-          <a:xfrm>
-            <a:off x="6309360" y="1188720"/>
-            <a:ext cx="2560320" cy="2286000"/>
-          </a:xfrm>
-          <a:prstGeom prst="roundRect">
-            <a:avLst/>
-          </a:prstGeom>
-          <a:solidFill>
-            <a:srgbClr val="E6F0FF"/>
-          </a:solidFill>
-          <a:ln>
-            <a:solidFill>
-              <a:srgbClr val="0070C0"/>
-            </a:solidFill>
-          </a:ln>
-        </p:spPr>
-        <p:style>
-          <a:lnRef idx="1">
-            <a:schemeClr val="accent1"/>
-          </a:lnRef>
-          <a:fillRef idx="3">
-            <a:schemeClr val="accent1"/>
-          </a:fillRef>
-          <a:effectRef idx="2">
-            <a:schemeClr val="accent1"/>
-          </a:effectRef>
-          <a:fontRef idx="minor">
-            <a:schemeClr val="lt1"/>
-          </a:fontRef>
-        </p:style>
-        <p:txBody>
-          <a:bodyPr rtlCol="0" anchor="ctr" wrap="square"/>
-          <a:lstStyle/>
-          <a:p>
-            <a:pPr algn="ctr"/>
-          </a:p>
-          <a:p>
-            <a:pPr>
-              <a:defRPr sz="1600" b="1">
-                <a:solidFill>
-                  <a:srgbClr val="0070C0"/>
-                </a:solidFill>
-              </a:defRPr>
-            </a:pPr>
-            <a:r>
-              <a:t>🔍 Key Insights</a:t>
-            </a:r>
-          </a:p>
-          <a:p>
-            <a:pPr lvl="1">
-              <a:defRPr sz="1300" b="0"/>
-            </a:pPr>
-            <a:r>
-              <a:t>Implicit recipe learning</a:t>
-            </a:r>
-          </a:p>
-          <a:p>
-            <a:pPr lvl="1">
-              <a:defRPr sz="1300" b="0"/>
-            </a:pPr>
-            <a:r>
-              <a:t>No reward shaping needed</a:t>
-            </a:r>
-          </a:p>
-          <a:p>
-            <a:pPr lvl="1">
-              <a:defRPr sz="1300" b="0"/>
-            </a:pPr>
-            <a:r>
-              <a:t>Emergent risk avoidance</a:t>
-            </a:r>
-          </a:p>
-          <a:p>
-            <a:pPr lvl="1">
-              <a:defRPr sz="1300" b="0"/>
-            </a:pPr>
-            <a:r>
-              <a:t>Strategy diversity across seeds</a:t>
-            </a:r>
-          </a:p>
-        </p:txBody>
-      </p:sp>
-      <p:sp>
-        <p:nvSpPr>
-          <p:cNvPr id="7" name="TextBox 6"/>
-          <p:cNvSpPr txBox="1"/>
-          <p:nvPr/>
-        </p:nvSpPr>
-        <p:spPr>
-          <a:xfrm>
-            <a:off x="457200" y="3657600"/>
-            <a:ext cx="8229600" cy="2286000"/>
-          </a:xfrm>
-          <a:prstGeom prst="rect">
-            <a:avLst/>
-          </a:prstGeom>
-          <a:noFill/>
-        </p:spPr>
-        <p:txBody>
-          <a:bodyPr wrap="square">
-            <a:spAutoFit/>
-          </a:bodyPr>
-          <a:lstStyle/>
-          <a:p/>
-          <a:p>
-            <a:pPr>
-              <a:defRPr sz="1800" b="1">
+              <a:defRPr sz="1300" b="1">
                 <a:solidFill>
                   <a:srgbClr val="003366"/>
                 </a:solidFill>
               </a:defRPr>
             </a:pPr>
             <a:r>
-              <a:t>Achievement Breakdown by Difficulty:</a:t>
-            </a:r>
-          </a:p>
-          <a:p/>
+              <a:t>What This Tells Us: All signs of stable, healthy learning</a:t>
+            </a:r>
+          </a:p>
           <a:p>
             <a:pPr lvl="1">
-              <a:defRPr sz="1400" b="0"/>
-            </a:pPr>
-            <a:r>
-              <a:t>Easy (1-2 steps): 7/10 mastered (70-95% success) - collect_sapling, place_plant, wake_up, etc.</a:t>
+              <a:defRPr sz="1100" b="0"/>
+            </a:pPr>
+            <a:r>
+              <a:t>TD Loss (top-left): Converges from 0.02→0.014, no divergence = Q-network learns accurate value predictions</a:t>
             </a:r>
           </a:p>
           <a:p>
             <a:pPr lvl="1">
-              <a:defRPr sz="1400" b="0"/>
-            </a:pPr>
-            <a:r>
-              <a:t>Medium (3-4 steps): 3/8 partial (30-70% success) - eat_cow, defeat_zombie, place_table</a:t>
+              <a:defRPr sz="1100" b="0"/>
+            </a:pPr>
+            <a:r>
+              <a:t>Q-Values (top-right): Stabilize at 3-5 range, matches actual episode returns (4.90) = well-calibrated</a:t>
             </a:r>
           </a:p>
           <a:p>
             <a:pPr lvl="1">
-              <a:defRPr sz="1400" b="0"/>
-            </a:pPr>
-            <a:r>
-              <a:t>Hard (5+ steps): 0/4 achieved (0-5% success) - stone_tools, iron_tools, diamonds</a:t>
-            </a:r>
-          </a:p>
-          <a:p/>
-          <a:p>
-            <a:pPr lvl="1">
-              <a:defRPr sz="1400" b="1">
-                <a:solidFill>
-                  <a:srgbClr val="CC0000"/>
-                </a:solidFill>
-              </a:defRPr>
-            </a:pPr>
-            <a:r>
-              <a:t>→ Credit assignment over 5+ steps remains the key challenge</a:t>
+              <a:defRPr sz="1100" b="0"/>
+            </a:pPr>
+            <a:r>
+              <a:t>Epsilon (bottom): Smooth decay 1.0→0.01 over 50k steps = balanced exploration → exploitation transition</a:t>
             </a:r>
           </a:p>
         </p:txBody>
@@ -3996,13 +3929,56 @@
       <p:grpSpPr/>
       <p:sp>
         <p:nvSpPr>
-          <p:cNvPr id="2" name="TextBox 1"/>
+          <p:cNvPr id="2" name="Rectangle 1"/>
+          <p:cNvSpPr/>
+          <p:nvPr/>
+        </p:nvSpPr>
+        <p:spPr>
+          <a:xfrm>
+            <a:off x="0" y="0"/>
+            <a:ext cx="9144000" cy="822960"/>
+          </a:xfrm>
+          <a:prstGeom prst="rect">
+            <a:avLst/>
+          </a:prstGeom>
+          <a:solidFill>
+            <a:srgbClr val="003366"/>
+          </a:solidFill>
+          <a:ln>
+            <a:noFill/>
+          </a:ln>
+        </p:spPr>
+        <p:style>
+          <a:lnRef idx="1">
+            <a:schemeClr val="accent1"/>
+          </a:lnRef>
+          <a:fillRef idx="3">
+            <a:schemeClr val="accent1"/>
+          </a:fillRef>
+          <a:effectRef idx="2">
+            <a:schemeClr val="accent1"/>
+          </a:effectRef>
+          <a:fontRef idx="minor">
+            <a:schemeClr val="lt1"/>
+          </a:fontRef>
+        </p:style>
+        <p:txBody>
+          <a:bodyPr rtlCol="0" anchor="ctr"/>
+          <a:lstStyle/>
+          <a:p>
+            <a:pPr algn="ctr"/>
+          </a:p>
+        </p:txBody>
+      </p:sp>
+      <p:sp>
+        <p:nvSpPr>
+          <p:cNvPr id="3" name="TextBox 2"/>
           <p:cNvSpPr txBox="1"/>
           <p:nvPr/>
         </p:nvSpPr>
         <p:spPr>
           <a:xfrm>
-            <a:off x="457200" y="274320"/>
+            <a:off x="457200" y="182880"/>
             <a:ext cx="8229600" cy="548640"/>
           </a:xfrm>
           <a:prstGeom prst="rect">
@@ -4019,26 +3995,325 @@
             <a:pPr>
               <a:defRPr sz="3200" b="1">
                 <a:solidFill>
-                  <a:srgbClr val="003366"/>
+                  <a:srgbClr val="FFFFFF"/>
                 </a:solidFill>
               </a:defRPr>
             </a:pPr>
             <a:r>
-              <a:t>Conclusions &amp; Key Insights</a:t>
-            </a:r>
-          </a:p>
-        </p:txBody>
-      </p:sp>
-      <p:sp>
-        <p:nvSpPr>
-          <p:cNvPr id="3" name="TextBox 2"/>
+              <a:t>Emergent Behaviors &amp; Observations</a:t>
+            </a:r>
+          </a:p>
+        </p:txBody>
+      </p:sp>
+      <p:sp>
+        <p:nvSpPr>
+          <p:cNvPr id="4" name="Rounded Rectangle 3"/>
+          <p:cNvSpPr/>
+          <p:nvPr/>
+        </p:nvSpPr>
+        <p:spPr>
+          <a:xfrm>
+            <a:off x="457200" y="1188720"/>
+            <a:ext cx="2743200" cy="2286000"/>
+          </a:xfrm>
+          <a:prstGeom prst="roundRect">
+            <a:avLst/>
+          </a:prstGeom>
+          <a:solidFill>
+            <a:srgbClr val="E6FFE6"/>
+          </a:solidFill>
+          <a:ln>
+            <a:solidFill>
+              <a:srgbClr val="009900"/>
+            </a:solidFill>
+          </a:ln>
+        </p:spPr>
+        <p:style>
+          <a:lnRef idx="1">
+            <a:schemeClr val="accent1"/>
+          </a:lnRef>
+          <a:fillRef idx="3">
+            <a:schemeClr val="accent1"/>
+          </a:fillRef>
+          <a:effectRef idx="2">
+            <a:schemeClr val="accent1"/>
+          </a:effectRef>
+          <a:fontRef idx="minor">
+            <a:schemeClr val="lt1"/>
+          </a:fontRef>
+        </p:style>
+        <p:txBody>
+          <a:bodyPr rtlCol="0" anchor="ctr" wrap="square"/>
+          <a:lstStyle/>
+          <a:p>
+            <a:pPr algn="ctr"/>
+          </a:p>
+          <a:p>
+            <a:pPr>
+              <a:defRPr sz="1600" b="1">
+                <a:solidFill>
+                  <a:srgbClr val="009900"/>
+                </a:solidFill>
+              </a:defRPr>
+            </a:pPr>
+            <a:r>
+              <a:t>✅ Successful Strategies</a:t>
+            </a:r>
+          </a:p>
+          <a:p>
+            <a:pPr lvl="1">
+              <a:defRPr sz="1300" b="0"/>
+            </a:pPr>
+            <a:r>
+              <a:t>Resource prioritization</a:t>
+            </a:r>
+          </a:p>
+          <a:p>
+            <a:pPr lvl="1">
+              <a:defRPr sz="1300" b="0"/>
+            </a:pPr>
+            <a:r>
+              <a:t>Food management</a:t>
+            </a:r>
+          </a:p>
+          <a:p>
+            <a:pPr lvl="1">
+              <a:defRPr sz="1300" b="0"/>
+            </a:pPr>
+            <a:r>
+              <a:t>Day/night adaptation</a:t>
+            </a:r>
+          </a:p>
+          <a:p>
+            <a:pPr lvl="1">
+              <a:defRPr sz="1300" b="0"/>
+            </a:pPr>
+            <a:r>
+              <a:t>Tool progression</a:t>
+            </a:r>
+          </a:p>
+          <a:p>
+            <a:pPr lvl="1">
+              <a:defRPr sz="1300" b="0"/>
+            </a:pPr>
+            <a:r>
+              <a:t>Infrastructure placement</a:t>
+            </a:r>
+          </a:p>
+          <a:p>
+            <a:pPr lvl="1">
+              <a:defRPr sz="1300" b="0"/>
+            </a:pPr>
+            <a:r>
+              <a:t>Risk avoidance (emergent!)</a:t>
+            </a:r>
+          </a:p>
+        </p:txBody>
+      </p:sp>
+      <p:sp>
+        <p:nvSpPr>
+          <p:cNvPr id="5" name="Rounded Rectangle 4"/>
+          <p:cNvSpPr/>
+          <p:nvPr/>
+        </p:nvSpPr>
+        <p:spPr>
+          <a:xfrm>
+            <a:off x="3383280" y="1188720"/>
+            <a:ext cx="2743200" cy="2286000"/>
+          </a:xfrm>
+          <a:prstGeom prst="roundRect">
+            <a:avLst/>
+          </a:prstGeom>
+          <a:solidFill>
+            <a:srgbClr val="FFE6E6"/>
+          </a:solidFill>
+          <a:ln>
+            <a:solidFill>
+              <a:srgbClr val="CC0000"/>
+            </a:solidFill>
+          </a:ln>
+        </p:spPr>
+        <p:style>
+          <a:lnRef idx="1">
+            <a:schemeClr val="accent1"/>
+          </a:lnRef>
+          <a:fillRef idx="3">
+            <a:schemeClr val="accent1"/>
+          </a:fillRef>
+          <a:effectRef idx="2">
+            <a:schemeClr val="accent1"/>
+          </a:effectRef>
+          <a:fontRef idx="minor">
+            <a:schemeClr val="lt1"/>
+          </a:fontRef>
+        </p:style>
+        <p:txBody>
+          <a:bodyPr rtlCol="0" anchor="ctr" wrap="square"/>
+          <a:lstStyle/>
+          <a:p>
+            <a:pPr algn="ctr"/>
+          </a:p>
+          <a:p>
+            <a:pPr>
+              <a:defRPr sz="1600" b="1">
+                <a:solidFill>
+                  <a:srgbClr val="CC0000"/>
+                </a:solidFill>
+              </a:defRPr>
+            </a:pPr>
+            <a:r>
+              <a:t>❌ Failure Modes</a:t>
+            </a:r>
+          </a:p>
+          <a:p>
+            <a:pPr lvl="1">
+              <a:defRPr sz="1300" b="0"/>
+            </a:pPr>
+            <a:r>
+              <a:t>Gets stuck in corners</a:t>
+            </a:r>
+          </a:p>
+          <a:p>
+            <a:pPr lvl="1">
+              <a:defRPr sz="1300" b="0"/>
+            </a:pPr>
+            <a:r>
+              <a:t>Ignores rare achievements</a:t>
+            </a:r>
+          </a:p>
+          <a:p>
+            <a:pPr lvl="1">
+              <a:defRPr sz="1300" b="0"/>
+            </a:pPr>
+            <a:r>
+              <a:t>Multi-step planning hard</a:t>
+            </a:r>
+          </a:p>
+          <a:p>
+            <a:pPr lvl="1">
+              <a:defRPr sz="1300" b="0"/>
+            </a:pPr>
+            <a:r>
+              <a:t>Stone/iron tools difficult</a:t>
+            </a:r>
+          </a:p>
+          <a:p>
+            <a:pPr lvl="1">
+              <a:defRPr sz="1300" b="0"/>
+            </a:pPr>
+            <a:r>
+              <a:t>Limited cave exploration</a:t>
+            </a:r>
+          </a:p>
+          <a:p>
+            <a:pPr lvl="1">
+              <a:defRPr sz="1300" b="0"/>
+            </a:pPr>
+            <a:r>
+              <a:t>Diamond tools: 0%</a:t>
+            </a:r>
+          </a:p>
+        </p:txBody>
+      </p:sp>
+      <p:sp>
+        <p:nvSpPr>
+          <p:cNvPr id="6" name="Rounded Rectangle 5"/>
+          <p:cNvSpPr/>
+          <p:nvPr/>
+        </p:nvSpPr>
+        <p:spPr>
+          <a:xfrm>
+            <a:off x="6309360" y="1188720"/>
+            <a:ext cx="2560320" cy="2286000"/>
+          </a:xfrm>
+          <a:prstGeom prst="roundRect">
+            <a:avLst/>
+          </a:prstGeom>
+          <a:solidFill>
+            <a:srgbClr val="E6F0FF"/>
+          </a:solidFill>
+          <a:ln>
+            <a:solidFill>
+              <a:srgbClr val="0070C0"/>
+            </a:solidFill>
+          </a:ln>
+        </p:spPr>
+        <p:style>
+          <a:lnRef idx="1">
+            <a:schemeClr val="accent1"/>
+          </a:lnRef>
+          <a:fillRef idx="3">
+            <a:schemeClr val="accent1"/>
+          </a:fillRef>
+          <a:effectRef idx="2">
+            <a:schemeClr val="accent1"/>
+          </a:effectRef>
+          <a:fontRef idx="minor">
+            <a:schemeClr val="lt1"/>
+          </a:fontRef>
+        </p:style>
+        <p:txBody>
+          <a:bodyPr rtlCol="0" anchor="ctr" wrap="square"/>
+          <a:lstStyle/>
+          <a:p>
+            <a:pPr algn="ctr"/>
+          </a:p>
+          <a:p>
+            <a:pPr>
+              <a:defRPr sz="1600" b="1">
+                <a:solidFill>
+                  <a:srgbClr val="0070C0"/>
+                </a:solidFill>
+              </a:defRPr>
+            </a:pPr>
+            <a:r>
+              <a:t>🔍 Key Insights</a:t>
+            </a:r>
+          </a:p>
+          <a:p>
+            <a:pPr lvl="1">
+              <a:defRPr sz="1300" b="0"/>
+            </a:pPr>
+            <a:r>
+              <a:t>Implicit recipe learning</a:t>
+            </a:r>
+          </a:p>
+          <a:p>
+            <a:pPr lvl="1">
+              <a:defRPr sz="1300" b="0"/>
+            </a:pPr>
+            <a:r>
+              <a:t>No reward shaping needed</a:t>
+            </a:r>
+          </a:p>
+          <a:p>
+            <a:pPr lvl="1">
+              <a:defRPr sz="1300" b="0"/>
+            </a:pPr>
+            <a:r>
+              <a:t>Emergent risk avoidance</a:t>
+            </a:r>
+          </a:p>
+          <a:p>
+            <a:pPr lvl="1">
+              <a:defRPr sz="1300" b="0"/>
+            </a:pPr>
+            <a:r>
+              <a:t>Strategy diversity across seeds</a:t>
+            </a:r>
+          </a:p>
+        </p:txBody>
+      </p:sp>
+      <p:sp>
+        <p:nvSpPr>
+          <p:cNvPr id="7" name="TextBox 6"/>
           <p:cNvSpPr txBox="1"/>
           <p:nvPr/>
         </p:nvSpPr>
         <p:spPr>
           <a:xfrm>
-            <a:off x="457200" y="1097280"/>
-            <a:ext cx="4114800" cy="5029200"/>
+            <a:off x="457200" y="3657600"/>
+            <a:ext cx="8229600" cy="2286000"/>
           </a:xfrm>
           <a:prstGeom prst="rect">
             <a:avLst/>
@@ -4053,255 +4328,52 @@
           <a:p/>
           <a:p>
             <a:pPr>
-              <a:defRPr sz="2000" b="1">
-                <a:solidFill>
-                  <a:srgbClr val="009900"/>
-                </a:solidFill>
-              </a:defRPr>
-            </a:pPr>
-            <a:r>
-              <a:t>✅ Achievements</a:t>
-            </a:r>
-          </a:p>
-          <a:p>
-            <a:pPr lvl="1">
-              <a:defRPr sz="1500" b="0"/>
-            </a:pPr>
-            <a:r>
-              <a:t>Custom DQN from scratch</a:t>
-            </a:r>
-          </a:p>
-          <a:p>
-            <a:pPr lvl="1">
-              <a:defRPr sz="1500" b="0"/>
-            </a:pPr>
-            <a:r>
-              <a:t>4.90 reward (5.4× random)</a:t>
-            </a:r>
-          </a:p>
-          <a:p>
-            <a:pPr lvl="1">
-              <a:defRPr sz="1500" b="0"/>
-            </a:pPr>
-            <a:r>
-              <a:t>10/22 achievements</a:t>
-            </a:r>
-          </a:p>
-          <a:p>
-            <a:pPr lvl="1">
-              <a:defRPr sz="1500" b="0"/>
-            </a:pPr>
-            <a:r>
-              <a:t>Double+Dueling = optimal</a:t>
-            </a:r>
-          </a:p>
-          <a:p>
-            <a:pPr lvl="1">
-              <a:defRPr sz="1500" b="0"/>
-            </a:pPr>
-            <a:r>
-              <a:t>8 experiments × 3 seeds</a:t>
-            </a:r>
-          </a:p>
-          <a:p>
-            <a:pPr lvl="1">
-              <a:defRPr sz="1500" b="0"/>
-            </a:pPr>
-            <a:r>
-              <a:t>Stable across seeds (σ=0.16)</a:t>
-            </a:r>
-          </a:p>
-          <a:p/>
-          <a:p>
-            <a:pPr>
-              <a:defRPr sz="2000" b="1">
-                <a:solidFill>
-                  <a:srgbClr val="0070C0"/>
-                </a:solidFill>
-              </a:defRPr>
-            </a:pPr>
-            <a:r>
-              <a:t>💡 Key Insights</a:t>
-            </a:r>
-          </a:p>
-          <a:p>
-            <a:pPr lvl="1">
-              <a:defRPr sz="1500" b="0"/>
-            </a:pPr>
-            <a:r>
-              <a:t>Exploration: 50k well-calibrated</a:t>
-            </a:r>
-          </a:p>
-          <a:p>
-            <a:pPr lvl="1">
-              <a:defRPr sz="1500" b="0"/>
-            </a:pPr>
-            <a:r>
-              <a:t>Longer ≠ Better (12-15% worse)</a:t>
-            </a:r>
-          </a:p>
-          <a:p>
-            <a:pPr lvl="1">
-              <a:defRPr sz="1500" b="0"/>
-            </a:pPr>
-            <a:r>
-              <a:t>Credit assignment = challenge</a:t>
-            </a:r>
-          </a:p>
-          <a:p>
-            <a:pPr lvl="1">
-              <a:defRPr sz="1500" b="0"/>
-            </a:pPr>
-            <a:r>
-              <a:t>Simpler can be better</a:t>
-            </a:r>
-          </a:p>
-          <a:p>
-            <a:pPr lvl="1">
-              <a:defRPr sz="1500" b="0"/>
-            </a:pPr>
-            <a:r>
-              <a:t>Emergent risk avoidance</a:t>
-            </a:r>
-          </a:p>
-        </p:txBody>
-      </p:sp>
-      <p:sp>
-        <p:nvSpPr>
-          <p:cNvPr id="4" name="TextBox 3"/>
-          <p:cNvSpPr txBox="1"/>
-          <p:nvPr/>
-        </p:nvSpPr>
-        <p:spPr>
-          <a:xfrm>
-            <a:off x="4754880" y="1097280"/>
-            <a:ext cx="3931920" cy="5029200"/>
-          </a:xfrm>
-          <a:prstGeom prst="rect">
-            <a:avLst/>
-          </a:prstGeom>
-          <a:noFill/>
-        </p:spPr>
-        <p:txBody>
-          <a:bodyPr wrap="square">
-            <a:spAutoFit/>
-          </a:bodyPr>
-          <a:lstStyle/>
-          <a:p/>
-          <a:p>
-            <a:pPr>
-              <a:defRPr sz="2000" b="1">
+              <a:defRPr sz="1800" b="1">
                 <a:solidFill>
                   <a:srgbClr val="003366"/>
                 </a:solidFill>
               </a:defRPr>
             </a:pPr>
             <a:r>
-              <a:t>🚀 Future Directions</a:t>
-            </a:r>
-          </a:p>
+              <a:t>Achievement Breakdown by Difficulty:</a:t>
+            </a:r>
+          </a:p>
+          <a:p/>
           <a:p>
             <a:pPr lvl="1">
-              <a:defRPr sz="1600" b="1"/>
-            </a:pPr>
-            <a:r>
-              <a:t>1. Better Exploration:</a:t>
-            </a:r>
-          </a:p>
-          <a:p>
-            <a:pPr lvl="2">
               <a:defRPr sz="1400" b="0"/>
             </a:pPr>
             <a:r>
-              <a:t>Intrinsic motivation (RND, NGU)</a:t>
-            </a:r>
-          </a:p>
-          <a:p>
-            <a:pPr lvl="2">
+              <a:t>Easy (1-2 steps): 7/10 mastered (70-95% success) - collect_sapling, place_plant, wake_up, etc.</a:t>
+            </a:r>
+          </a:p>
+          <a:p>
+            <a:pPr lvl="1">
               <a:defRPr sz="1400" b="0"/>
             </a:pPr>
             <a:r>
-              <a:t>NOT longer epsilon-greedy ✗</a:t>
+              <a:t>Medium (3-4 steps): 3/8 partial (30-70% success) - eat_cow, defeat_zombie, place_table</a:t>
             </a:r>
           </a:p>
           <a:p>
             <a:pPr lvl="1">
-              <a:defRPr sz="1600" b="1"/>
-            </a:pPr>
-            <a:r>
-              <a:t>2. Hierarchical RL:</a:t>
-            </a:r>
-          </a:p>
-          <a:p>
-            <a:pPr lvl="2">
               <a:defRPr sz="1400" b="0"/>
             </a:pPr>
             <a:r>
-              <a:t>Reusable sub-policies</a:t>
-            </a:r>
-          </a:p>
-          <a:p>
-            <a:pPr lvl="2">
-              <a:defRPr sz="1400" b="0"/>
-            </a:pPr>
-            <a:r>
-              <a:t>Options framework</a:t>
-            </a:r>
-          </a:p>
+              <a:t>Hard (5+ steps): 0/4 achieved (0-5% success) - stone_tools, iron_tools, diamonds</a:t>
+            </a:r>
+          </a:p>
+          <a:p/>
           <a:p>
             <a:pPr lvl="1">
-              <a:defRPr sz="1600" b="1"/>
-            </a:pPr>
-            <a:r>
-              <a:t>3. Model-Based RL:</a:t>
-            </a:r>
-          </a:p>
-          <a:p>
-            <a:pPr lvl="2">
-              <a:defRPr sz="1400" b="0"/>
-            </a:pPr>
-            <a:r>
-              <a:t>World models (DreamerV2)</a:t>
-            </a:r>
-          </a:p>
-          <a:p>
-            <a:pPr lvl="2">
-              <a:defRPr sz="1400" b="0"/>
-            </a:pPr>
-            <a:r>
-              <a:t>Plan through imagination</a:t>
-            </a:r>
-          </a:p>
-          <a:p>
-            <a:pPr lvl="1">
-              <a:defRPr sz="1600" b="1"/>
-            </a:pPr>
-            <a:r>
-              <a:t>4. Curriculum Learning:</a:t>
-            </a:r>
-          </a:p>
-          <a:p>
-            <a:pPr lvl="2">
-              <a:defRPr sz="1400" b="0"/>
-            </a:pPr>
-            <a:r>
-              <a:t>Progressive achievement targets</a:t>
-            </a:r>
-          </a:p>
-          <a:p>
-            <a:pPr lvl="1">
-              <a:defRPr sz="1600" b="1"/>
-            </a:pPr>
-            <a:r>
-              <a:t>5. Distributional RL:</a:t>
-            </a:r>
-          </a:p>
-          <a:p>
-            <a:pPr lvl="2">
-              <a:defRPr sz="1400" b="0"/>
-            </a:pPr>
-            <a:r>
-              <a:t>C51, QR-DQN, IQN</a:t>
+              <a:defRPr sz="1400" b="1">
+                <a:solidFill>
+                  <a:srgbClr val="CC0000"/>
+                </a:solidFill>
+              </a:defRPr>
+            </a:pPr>
+            <a:r>
+              <a:t>→ Credit assignment over 5+ steps remains the key challenge</a:t>
             </a:r>
           </a:p>
         </p:txBody>
@@ -4326,6 +4398,336 @@
       <p:grpSpPr/>
       <p:sp>
         <p:nvSpPr>
+          <p:cNvPr id="2" name="TextBox 1"/>
+          <p:cNvSpPr txBox="1"/>
+          <p:nvPr/>
+        </p:nvSpPr>
+        <p:spPr>
+          <a:xfrm>
+            <a:off x="457200" y="274320"/>
+            <a:ext cx="8229600" cy="548640"/>
+          </a:xfrm>
+          <a:prstGeom prst="rect">
+            <a:avLst/>
+          </a:prstGeom>
+          <a:noFill/>
+        </p:spPr>
+        <p:txBody>
+          <a:bodyPr wrap="none">
+            <a:spAutoFit/>
+          </a:bodyPr>
+          <a:lstStyle/>
+          <a:p>
+            <a:pPr>
+              <a:defRPr sz="3200" b="1">
+                <a:solidFill>
+                  <a:srgbClr val="003366"/>
+                </a:solidFill>
+              </a:defRPr>
+            </a:pPr>
+            <a:r>
+              <a:t>Conclusions &amp; Key Insights</a:t>
+            </a:r>
+          </a:p>
+        </p:txBody>
+      </p:sp>
+      <p:sp>
+        <p:nvSpPr>
+          <p:cNvPr id="3" name="TextBox 2"/>
+          <p:cNvSpPr txBox="1"/>
+          <p:nvPr/>
+        </p:nvSpPr>
+        <p:spPr>
+          <a:xfrm>
+            <a:off x="457200" y="1097280"/>
+            <a:ext cx="4114800" cy="5029200"/>
+          </a:xfrm>
+          <a:prstGeom prst="rect">
+            <a:avLst/>
+          </a:prstGeom>
+          <a:noFill/>
+        </p:spPr>
+        <p:txBody>
+          <a:bodyPr wrap="square">
+            <a:spAutoFit/>
+          </a:bodyPr>
+          <a:lstStyle/>
+          <a:p/>
+          <a:p>
+            <a:pPr>
+              <a:defRPr sz="2000" b="1">
+                <a:solidFill>
+                  <a:srgbClr val="009900"/>
+                </a:solidFill>
+              </a:defRPr>
+            </a:pPr>
+            <a:r>
+              <a:t>✅ Achievements</a:t>
+            </a:r>
+          </a:p>
+          <a:p>
+            <a:pPr lvl="1">
+              <a:defRPr sz="1500" b="0"/>
+            </a:pPr>
+            <a:r>
+              <a:t>Custom DQN from scratch</a:t>
+            </a:r>
+          </a:p>
+          <a:p>
+            <a:pPr lvl="1">
+              <a:defRPr sz="1500" b="0"/>
+            </a:pPr>
+            <a:r>
+              <a:t>4.90 reward (5.4× random)</a:t>
+            </a:r>
+          </a:p>
+          <a:p>
+            <a:pPr lvl="1">
+              <a:defRPr sz="1500" b="0"/>
+            </a:pPr>
+            <a:r>
+              <a:t>10/22 achievements</a:t>
+            </a:r>
+          </a:p>
+          <a:p>
+            <a:pPr lvl="1">
+              <a:defRPr sz="1500" b="0"/>
+            </a:pPr>
+            <a:r>
+              <a:t>Double+Dueling = optimal</a:t>
+            </a:r>
+          </a:p>
+          <a:p>
+            <a:pPr lvl="1">
+              <a:defRPr sz="1500" b="0"/>
+            </a:pPr>
+            <a:r>
+              <a:t>8 experiments × 3 seeds</a:t>
+            </a:r>
+          </a:p>
+          <a:p>
+            <a:pPr lvl="1">
+              <a:defRPr sz="1500" b="0"/>
+            </a:pPr>
+            <a:r>
+              <a:t>Stable across seeds (σ=0.16)</a:t>
+            </a:r>
+          </a:p>
+          <a:p/>
+          <a:p>
+            <a:pPr>
+              <a:defRPr sz="2000" b="1">
+                <a:solidFill>
+                  <a:srgbClr val="0070C0"/>
+                </a:solidFill>
+              </a:defRPr>
+            </a:pPr>
+            <a:r>
+              <a:t>💡 Key Insights</a:t>
+            </a:r>
+          </a:p>
+          <a:p>
+            <a:pPr lvl="1">
+              <a:defRPr sz="1500" b="0"/>
+            </a:pPr>
+            <a:r>
+              <a:t>Exploration: 50k well-calibrated</a:t>
+            </a:r>
+          </a:p>
+          <a:p>
+            <a:pPr lvl="1">
+              <a:defRPr sz="1500" b="0"/>
+            </a:pPr>
+            <a:r>
+              <a:t>Longer ≠ Better (12-15% worse)</a:t>
+            </a:r>
+          </a:p>
+          <a:p>
+            <a:pPr lvl="1">
+              <a:defRPr sz="1500" b="0"/>
+            </a:pPr>
+            <a:r>
+              <a:t>Credit assignment = challenge</a:t>
+            </a:r>
+          </a:p>
+          <a:p>
+            <a:pPr lvl="1">
+              <a:defRPr sz="1500" b="0"/>
+            </a:pPr>
+            <a:r>
+              <a:t>Simpler can be better</a:t>
+            </a:r>
+          </a:p>
+          <a:p>
+            <a:pPr lvl="1">
+              <a:defRPr sz="1500" b="0"/>
+            </a:pPr>
+            <a:r>
+              <a:t>Emergent risk avoidance</a:t>
+            </a:r>
+          </a:p>
+        </p:txBody>
+      </p:sp>
+      <p:sp>
+        <p:nvSpPr>
+          <p:cNvPr id="4" name="TextBox 3"/>
+          <p:cNvSpPr txBox="1"/>
+          <p:nvPr/>
+        </p:nvSpPr>
+        <p:spPr>
+          <a:xfrm>
+            <a:off x="4754880" y="1097280"/>
+            <a:ext cx="3931920" cy="5029200"/>
+          </a:xfrm>
+          <a:prstGeom prst="rect">
+            <a:avLst/>
+          </a:prstGeom>
+          <a:noFill/>
+        </p:spPr>
+        <p:txBody>
+          <a:bodyPr wrap="square">
+            <a:spAutoFit/>
+          </a:bodyPr>
+          <a:lstStyle/>
+          <a:p/>
+          <a:p>
+            <a:pPr>
+              <a:defRPr sz="2000" b="1">
+                <a:solidFill>
+                  <a:srgbClr val="003366"/>
+                </a:solidFill>
+              </a:defRPr>
+            </a:pPr>
+            <a:r>
+              <a:t>🚀 Future Directions</a:t>
+            </a:r>
+          </a:p>
+          <a:p>
+            <a:pPr lvl="1">
+              <a:defRPr sz="1600" b="1"/>
+            </a:pPr>
+            <a:r>
+              <a:t>1. Better Exploration:</a:t>
+            </a:r>
+          </a:p>
+          <a:p>
+            <a:pPr lvl="2">
+              <a:defRPr sz="1400" b="0"/>
+            </a:pPr>
+            <a:r>
+              <a:t>Intrinsic motivation (RND, NGU)</a:t>
+            </a:r>
+          </a:p>
+          <a:p>
+            <a:pPr lvl="2">
+              <a:defRPr sz="1400" b="0"/>
+            </a:pPr>
+            <a:r>
+              <a:t>NOT longer epsilon-greedy ✗</a:t>
+            </a:r>
+          </a:p>
+          <a:p>
+            <a:pPr lvl="1">
+              <a:defRPr sz="1600" b="1"/>
+            </a:pPr>
+            <a:r>
+              <a:t>2. Hierarchical RL:</a:t>
+            </a:r>
+          </a:p>
+          <a:p>
+            <a:pPr lvl="2">
+              <a:defRPr sz="1400" b="0"/>
+            </a:pPr>
+            <a:r>
+              <a:t>Reusable sub-policies</a:t>
+            </a:r>
+          </a:p>
+          <a:p>
+            <a:pPr lvl="2">
+              <a:defRPr sz="1400" b="0"/>
+            </a:pPr>
+            <a:r>
+              <a:t>Options framework</a:t>
+            </a:r>
+          </a:p>
+          <a:p>
+            <a:pPr lvl="1">
+              <a:defRPr sz="1600" b="1"/>
+            </a:pPr>
+            <a:r>
+              <a:t>3. Model-Based RL:</a:t>
+            </a:r>
+          </a:p>
+          <a:p>
+            <a:pPr lvl="2">
+              <a:defRPr sz="1400" b="0"/>
+            </a:pPr>
+            <a:r>
+              <a:t>World models (DreamerV2)</a:t>
+            </a:r>
+          </a:p>
+          <a:p>
+            <a:pPr lvl="2">
+              <a:defRPr sz="1400" b="0"/>
+            </a:pPr>
+            <a:r>
+              <a:t>Plan through imagination</a:t>
+            </a:r>
+          </a:p>
+          <a:p>
+            <a:pPr lvl="1">
+              <a:defRPr sz="1600" b="1"/>
+            </a:pPr>
+            <a:r>
+              <a:t>4. Curriculum Learning:</a:t>
+            </a:r>
+          </a:p>
+          <a:p>
+            <a:pPr lvl="2">
+              <a:defRPr sz="1400" b="0"/>
+            </a:pPr>
+            <a:r>
+              <a:t>Progressive achievement targets</a:t>
+            </a:r>
+          </a:p>
+          <a:p>
+            <a:pPr lvl="1">
+              <a:defRPr sz="1600" b="1"/>
+            </a:pPr>
+            <a:r>
+              <a:t>5. Distributional RL:</a:t>
+            </a:r>
+          </a:p>
+          <a:p>
+            <a:pPr lvl="2">
+              <a:defRPr sz="1400" b="0"/>
+            </a:pPr>
+            <a:r>
+              <a:t>C51, QR-DQN, IQN</a:t>
+            </a:r>
+          </a:p>
+        </p:txBody>
+      </p:sp>
+    </p:spTree>
+  </p:cSld>
+  <p:clrMapOvr>
+    <a:masterClrMapping/>
+  </p:clrMapOvr>
+</p:sld>
+</file>
+
+<file path=ppt/slides/slide14.xml><?xml version="1.0" encoding="utf-8"?>
+<p:sld xmlns:a="http://schemas.openxmlformats.org/drawingml/2006/main" xmlns:p="http://schemas.openxmlformats.org/presentationml/2006/main" xmlns:r="http://schemas.openxmlformats.org/officeDocument/2006/relationships">
+  <p:cSld>
+    <p:spTree>
+      <p:nvGrpSpPr>
+        <p:cNvPr id="1" name=""/>
+        <p:cNvGrpSpPr/>
+        <p:nvPr/>
+      </p:nvGrpSpPr>
+      <p:grpSpPr/>
+      <p:sp>
+        <p:nvSpPr>
           <p:cNvPr id="2" name="Rectangle 1"/>
           <p:cNvSpPr/>
           <p:nvPr/>
@@ -5443,6 +5845,635 @@
 </file>
 
 <file path=ppt/slides/slide4.xml><?xml version="1.0" encoding="utf-8"?>
+<p:sld xmlns:a="http://schemas.openxmlformats.org/drawingml/2006/main" xmlns:p="http://schemas.openxmlformats.org/presentationml/2006/main" xmlns:r="http://schemas.openxmlformats.org/officeDocument/2006/relationships">
+  <p:cSld>
+    <p:spTree>
+      <p:nvGrpSpPr>
+        <p:cNvPr id="1" name=""/>
+        <p:cNvGrpSpPr/>
+        <p:nvPr/>
+      </p:nvGrpSpPr>
+      <p:grpSpPr/>
+      <p:sp>
+        <p:nvSpPr>
+          <p:cNvPr id="2" name="TextBox 1"/>
+          <p:cNvSpPr txBox="1"/>
+          <p:nvPr/>
+        </p:nvSpPr>
+        <p:spPr>
+          <a:xfrm>
+            <a:off x="457200" y="274320"/>
+            <a:ext cx="8229600" cy="548640"/>
+          </a:xfrm>
+          <a:prstGeom prst="rect">
+            <a:avLst/>
+          </a:prstGeom>
+          <a:noFill/>
+        </p:spPr>
+        <p:txBody>
+          <a:bodyPr wrap="none">
+            <a:spAutoFit/>
+          </a:bodyPr>
+          <a:lstStyle/>
+          <a:p>
+            <a:pPr>
+              <a:defRPr sz="3200" b="1">
+                <a:solidFill>
+                  <a:srgbClr val="003366"/>
+                </a:solidFill>
+              </a:defRPr>
+            </a:pPr>
+            <a:r>
+              <a:t>Neural Network Architecture: Dueling DQN</a:t>
+            </a:r>
+          </a:p>
+        </p:txBody>
+      </p:sp>
+      <p:sp>
+        <p:nvSpPr>
+          <p:cNvPr id="3" name="TextBox 2"/>
+          <p:cNvSpPr txBox="1"/>
+          <p:nvPr/>
+        </p:nvSpPr>
+        <p:spPr>
+          <a:xfrm>
+            <a:off x="274320" y="868680"/>
+            <a:ext cx="8595360" cy="228600"/>
+          </a:xfrm>
+          <a:prstGeom prst="rect">
+            <a:avLst/>
+          </a:prstGeom>
+          <a:noFill/>
+        </p:spPr>
+        <p:txBody>
+          <a:bodyPr wrap="none">
+            <a:spAutoFit/>
+          </a:bodyPr>
+          <a:lstStyle/>
+          <a:p>
+            <a:pPr algn="ctr">
+              <a:defRPr sz="1200" b="1">
+                <a:solidFill>
+                  <a:srgbClr val="003366"/>
+                </a:solidFill>
+              </a:defRPr>
+            </a:pPr>
+            <a:r>
+              <a:t>Convolutional Feature Extraction + Dueling Heads: Separate learning of state value V(s) and action advantages A(s,a)</a:t>
+            </a:r>
+          </a:p>
+        </p:txBody>
+      </p:sp>
+      <p:sp>
+        <p:nvSpPr>
+          <p:cNvPr id="4" name="Rounded Rectangle 3"/>
+          <p:cNvSpPr/>
+          <p:nvPr/>
+        </p:nvSpPr>
+        <p:spPr>
+          <a:xfrm>
+            <a:off x="3429000" y="1188720"/>
+            <a:ext cx="2286000" cy="457200"/>
+          </a:xfrm>
+          <a:prstGeom prst="roundRect">
+            <a:avLst/>
+          </a:prstGeom>
+          <a:solidFill>
+            <a:srgbClr val="C8E6FF"/>
+          </a:solidFill>
+          <a:ln>
+            <a:solidFill>
+              <a:srgbClr val="0070C0"/>
+            </a:solidFill>
+          </a:ln>
+        </p:spPr>
+        <p:style>
+          <a:lnRef idx="1">
+            <a:schemeClr val="accent1"/>
+          </a:lnRef>
+          <a:fillRef idx="3">
+            <a:schemeClr val="accent1"/>
+          </a:fillRef>
+          <a:effectRef idx="2">
+            <a:schemeClr val="accent1"/>
+          </a:effectRef>
+          <a:fontRef idx="minor">
+            <a:schemeClr val="lt1"/>
+          </a:fontRef>
+        </p:style>
+        <p:txBody>
+          <a:bodyPr rtlCol="0" anchor="ctr"/>
+          <a:lstStyle/>
+          <a:p>
+            <a:pPr algn="ctr">
+              <a:defRPr sz="1200" b="1"/>
+            </a:pPr>
+            <a:r>
+              <a:t>Input: 64×64×3 RGB</a:t>
+            </a:r>
+            <a:br/>
+            <a:r>
+              <a:t>(12,288 dimensions)</a:t>
+            </a:r>
+          </a:p>
+        </p:txBody>
+      </p:sp>
+      <p:sp>
+        <p:nvSpPr>
+          <p:cNvPr id="5" name="Rounded Rectangle 4"/>
+          <p:cNvSpPr/>
+          <p:nvPr/>
+        </p:nvSpPr>
+        <p:spPr>
+          <a:xfrm>
+            <a:off x="3429000" y="1828800"/>
+            <a:ext cx="2286000" cy="457200"/>
+          </a:xfrm>
+          <a:prstGeom prst="roundRect">
+            <a:avLst/>
+          </a:prstGeom>
+          <a:solidFill>
+            <a:srgbClr val="E6F5FF"/>
+          </a:solidFill>
+          <a:ln>
+            <a:solidFill>
+              <a:srgbClr val="0070C0"/>
+            </a:solidFill>
+          </a:ln>
+        </p:spPr>
+        <p:style>
+          <a:lnRef idx="1">
+            <a:schemeClr val="accent1"/>
+          </a:lnRef>
+          <a:fillRef idx="3">
+            <a:schemeClr val="accent1"/>
+          </a:fillRef>
+          <a:effectRef idx="2">
+            <a:schemeClr val="accent1"/>
+          </a:effectRef>
+          <a:fontRef idx="minor">
+            <a:schemeClr val="lt1"/>
+          </a:fontRef>
+        </p:style>
+        <p:txBody>
+          <a:bodyPr rtlCol="0" anchor="ctr"/>
+          <a:lstStyle/>
+          <a:p>
+            <a:pPr algn="ctr">
+              <a:defRPr sz="1100"/>
+            </a:pPr>
+            <a:r>
+              <a:t>Conv1: 32 filters, 8×8, stride 4</a:t>
+            </a:r>
+            <a:br/>
+            <a:r>
+              <a:t>→ 16×16×32 + ReLU</a:t>
+            </a:r>
+          </a:p>
+        </p:txBody>
+      </p:sp>
+      <p:sp>
+        <p:nvSpPr>
+          <p:cNvPr id="6" name="Rounded Rectangle 5"/>
+          <p:cNvSpPr/>
+          <p:nvPr/>
+        </p:nvSpPr>
+        <p:spPr>
+          <a:xfrm>
+            <a:off x="3429000" y="2423160"/>
+            <a:ext cx="2286000" cy="457200"/>
+          </a:xfrm>
+          <a:prstGeom prst="roundRect">
+            <a:avLst/>
+          </a:prstGeom>
+          <a:solidFill>
+            <a:srgbClr val="E6F5FF"/>
+          </a:solidFill>
+          <a:ln>
+            <a:solidFill>
+              <a:srgbClr val="0070C0"/>
+            </a:solidFill>
+          </a:ln>
+        </p:spPr>
+        <p:style>
+          <a:lnRef idx="1">
+            <a:schemeClr val="accent1"/>
+          </a:lnRef>
+          <a:fillRef idx="3">
+            <a:schemeClr val="accent1"/>
+          </a:fillRef>
+          <a:effectRef idx="2">
+            <a:schemeClr val="accent1"/>
+          </a:effectRef>
+          <a:fontRef idx="minor">
+            <a:schemeClr val="lt1"/>
+          </a:fontRef>
+        </p:style>
+        <p:txBody>
+          <a:bodyPr rtlCol="0" anchor="ctr"/>
+          <a:lstStyle/>
+          <a:p>
+            <a:pPr algn="ctr">
+              <a:defRPr sz="1100"/>
+            </a:pPr>
+            <a:r>
+              <a:t>Conv2: 64 filters, 4×4, stride 2</a:t>
+            </a:r>
+            <a:br/>
+            <a:r>
+              <a:t>→ 8×8×64 + ReLU</a:t>
+            </a:r>
+          </a:p>
+        </p:txBody>
+      </p:sp>
+      <p:sp>
+        <p:nvSpPr>
+          <p:cNvPr id="7" name="Rounded Rectangle 6"/>
+          <p:cNvSpPr/>
+          <p:nvPr/>
+        </p:nvSpPr>
+        <p:spPr>
+          <a:xfrm>
+            <a:off x="3429000" y="3017520"/>
+            <a:ext cx="2286000" cy="457200"/>
+          </a:xfrm>
+          <a:prstGeom prst="roundRect">
+            <a:avLst/>
+          </a:prstGeom>
+          <a:solidFill>
+            <a:srgbClr val="E6F5FF"/>
+          </a:solidFill>
+          <a:ln>
+            <a:solidFill>
+              <a:srgbClr val="0070C0"/>
+            </a:solidFill>
+          </a:ln>
+        </p:spPr>
+        <p:style>
+          <a:lnRef idx="1">
+            <a:schemeClr val="accent1"/>
+          </a:lnRef>
+          <a:fillRef idx="3">
+            <a:schemeClr val="accent1"/>
+          </a:fillRef>
+          <a:effectRef idx="2">
+            <a:schemeClr val="accent1"/>
+          </a:effectRef>
+          <a:fontRef idx="minor">
+            <a:schemeClr val="lt1"/>
+          </a:fontRef>
+        </p:style>
+        <p:txBody>
+          <a:bodyPr rtlCol="0" anchor="ctr"/>
+          <a:lstStyle/>
+          <a:p>
+            <a:pPr algn="ctr">
+              <a:defRPr sz="1100"/>
+            </a:pPr>
+            <a:r>
+              <a:t>Conv3: 64 filters, 3×3, stride 1</a:t>
+            </a:r>
+            <a:br/>
+            <a:r>
+              <a:t>→ 8×8×64 + ReLU</a:t>
+            </a:r>
+          </a:p>
+        </p:txBody>
+      </p:sp>
+      <p:sp>
+        <p:nvSpPr>
+          <p:cNvPr id="8" name="Rounded Rectangle 7"/>
+          <p:cNvSpPr/>
+          <p:nvPr/>
+        </p:nvSpPr>
+        <p:spPr>
+          <a:xfrm>
+            <a:off x="3429000" y="3611880"/>
+            <a:ext cx="2286000" cy="365760"/>
+          </a:xfrm>
+          <a:prstGeom prst="roundRect">
+            <a:avLst/>
+          </a:prstGeom>
+          <a:solidFill>
+            <a:srgbClr val="FFF5E6"/>
+          </a:solidFill>
+          <a:ln>
+            <a:solidFill>
+              <a:srgbClr val="C89600"/>
+            </a:solidFill>
+          </a:ln>
+        </p:spPr>
+        <p:style>
+          <a:lnRef idx="1">
+            <a:schemeClr val="accent1"/>
+          </a:lnRef>
+          <a:fillRef idx="3">
+            <a:schemeClr val="accent1"/>
+          </a:fillRef>
+          <a:effectRef idx="2">
+            <a:schemeClr val="accent1"/>
+          </a:effectRef>
+          <a:fontRef idx="minor">
+            <a:schemeClr val="lt1"/>
+          </a:fontRef>
+        </p:style>
+        <p:txBody>
+          <a:bodyPr rtlCol="0" anchor="ctr"/>
+          <a:lstStyle/>
+          <a:p>
+            <a:pPr algn="ctr">
+              <a:defRPr sz="1100" b="1"/>
+            </a:pPr>
+            <a:r>
+              <a:t>Flatten → 4,096 features</a:t>
+            </a:r>
+          </a:p>
+        </p:txBody>
+      </p:sp>
+      <p:sp>
+        <p:nvSpPr>
+          <p:cNvPr id="9" name="Rounded Rectangle 8"/>
+          <p:cNvSpPr/>
+          <p:nvPr/>
+        </p:nvSpPr>
+        <p:spPr>
+          <a:xfrm>
+            <a:off x="1371600" y="4160520"/>
+            <a:ext cx="2743200" cy="822960"/>
+          </a:xfrm>
+          <a:prstGeom prst="roundRect">
+            <a:avLst/>
+          </a:prstGeom>
+          <a:solidFill>
+            <a:srgbClr val="E6FFE6"/>
+          </a:solidFill>
+          <a:ln>
+            <a:solidFill>
+              <a:srgbClr val="009900"/>
+            </a:solidFill>
+          </a:ln>
+        </p:spPr>
+        <p:style>
+          <a:lnRef idx="1">
+            <a:schemeClr val="accent1"/>
+          </a:lnRef>
+          <a:fillRef idx="3">
+            <a:schemeClr val="accent1"/>
+          </a:fillRef>
+          <a:effectRef idx="2">
+            <a:schemeClr val="accent1"/>
+          </a:effectRef>
+          <a:fontRef idx="minor">
+            <a:schemeClr val="lt1"/>
+          </a:fontRef>
+        </p:style>
+        <p:txBody>
+          <a:bodyPr rtlCol="0" anchor="ctr" wrap="square"/>
+          <a:lstStyle/>
+          <a:p>
+            <a:pPr algn="ctr">
+              <a:defRPr sz="1400" b="1">
+                <a:solidFill>
+                  <a:srgbClr val="009900"/>
+                </a:solidFill>
+              </a:defRPr>
+            </a:pPr>
+            <a:r>
+              <a:t>Value Stream V(s)</a:t>
+            </a:r>
+          </a:p>
+          <a:p>
+            <a:pPr algn="ctr">
+              <a:defRPr sz="1100"/>
+            </a:pPr>
+            <a:r>
+              <a:t>FC: 4096 → 512 → 1</a:t>
+            </a:r>
+          </a:p>
+          <a:p>
+            <a:pPr algn="ctr">
+              <a:defRPr sz="1000" i="1"/>
+            </a:pPr>
+            <a:r>
+              <a:t>"How good is this state?"</a:t>
+            </a:r>
+          </a:p>
+        </p:txBody>
+      </p:sp>
+      <p:sp>
+        <p:nvSpPr>
+          <p:cNvPr id="10" name="Rounded Rectangle 9"/>
+          <p:cNvSpPr/>
+          <p:nvPr/>
+        </p:nvSpPr>
+        <p:spPr>
+          <a:xfrm>
+            <a:off x="5029200" y="4160520"/>
+            <a:ext cx="2743200" cy="822960"/>
+          </a:xfrm>
+          <a:prstGeom prst="roundRect">
+            <a:avLst/>
+          </a:prstGeom>
+          <a:solidFill>
+            <a:srgbClr val="FFF0F0"/>
+          </a:solidFill>
+          <a:ln>
+            <a:solidFill>
+              <a:srgbClr val="C86464"/>
+            </a:solidFill>
+          </a:ln>
+        </p:spPr>
+        <p:style>
+          <a:lnRef idx="1">
+            <a:schemeClr val="accent1"/>
+          </a:lnRef>
+          <a:fillRef idx="3">
+            <a:schemeClr val="accent1"/>
+          </a:fillRef>
+          <a:effectRef idx="2">
+            <a:schemeClr val="accent1"/>
+          </a:effectRef>
+          <a:fontRef idx="minor">
+            <a:schemeClr val="lt1"/>
+          </a:fontRef>
+        </p:style>
+        <p:txBody>
+          <a:bodyPr rtlCol="0" anchor="ctr" wrap="square"/>
+          <a:lstStyle/>
+          <a:p>
+            <a:pPr algn="ctr">
+              <a:defRPr sz="1400" b="1">
+                <a:solidFill>
+                  <a:srgbClr val="B43232"/>
+                </a:solidFill>
+              </a:defRPr>
+            </a:pPr>
+            <a:r>
+              <a:t>Advantage Stream A(s,a)</a:t>
+            </a:r>
+          </a:p>
+          <a:p>
+            <a:pPr algn="ctr">
+              <a:defRPr sz="1100"/>
+            </a:pPr>
+            <a:r>
+              <a:t>FC: 4096 → 512 → 17</a:t>
+            </a:r>
+          </a:p>
+          <a:p>
+            <a:pPr algn="ctr">
+              <a:defRPr sz="1000" i="1"/>
+            </a:pPr>
+            <a:r>
+              <a:t>"Which action is better?"</a:t>
+            </a:r>
+          </a:p>
+        </p:txBody>
+      </p:sp>
+      <p:sp>
+        <p:nvSpPr>
+          <p:cNvPr id="11" name="Rounded Rectangle 10"/>
+          <p:cNvSpPr/>
+          <p:nvPr/>
+        </p:nvSpPr>
+        <p:spPr>
+          <a:xfrm>
+            <a:off x="2286000" y="5166360"/>
+            <a:ext cx="4572000" cy="457200"/>
+          </a:xfrm>
+          <a:prstGeom prst="roundRect">
+            <a:avLst/>
+          </a:prstGeom>
+          <a:solidFill>
+            <a:srgbClr val="FFFAC8"/>
+          </a:solidFill>
+          <a:ln>
+            <a:solidFill>
+              <a:srgbClr val="C89600"/>
+            </a:solidFill>
+          </a:ln>
+        </p:spPr>
+        <p:style>
+          <a:lnRef idx="1">
+            <a:schemeClr val="accent1"/>
+          </a:lnRef>
+          <a:fillRef idx="3">
+            <a:schemeClr val="accent1"/>
+          </a:fillRef>
+          <a:effectRef idx="2">
+            <a:schemeClr val="accent1"/>
+          </a:effectRef>
+          <a:fontRef idx="minor">
+            <a:schemeClr val="lt1"/>
+          </a:fontRef>
+        </p:style>
+        <p:txBody>
+          <a:bodyPr rtlCol="0" anchor="ctr"/>
+          <a:lstStyle/>
+          <a:p>
+            <a:pPr algn="ctr">
+              <a:defRPr sz="1300" b="1"/>
+            </a:pPr>
+            <a:r>
+              <a:t>Combine: Q(s,a) = V(s) + [A(s,a) - mean(A(s,:))]</a:t>
+            </a:r>
+          </a:p>
+        </p:txBody>
+      </p:sp>
+      <p:sp>
+        <p:nvSpPr>
+          <p:cNvPr id="12" name="Rounded Rectangle 11"/>
+          <p:cNvSpPr/>
+          <p:nvPr/>
+        </p:nvSpPr>
+        <p:spPr>
+          <a:xfrm>
+            <a:off x="3429000" y="5806440"/>
+            <a:ext cx="2286000" cy="457200"/>
+          </a:xfrm>
+          <a:prstGeom prst="roundRect">
+            <a:avLst/>
+          </a:prstGeom>
+          <a:solidFill>
+            <a:srgbClr val="C8FFC8"/>
+          </a:solidFill>
+          <a:ln>
+            <a:solidFill>
+              <a:srgbClr val="009900"/>
+            </a:solidFill>
+          </a:ln>
+        </p:spPr>
+        <p:style>
+          <a:lnRef idx="1">
+            <a:schemeClr val="accent1"/>
+          </a:lnRef>
+          <a:fillRef idx="3">
+            <a:schemeClr val="accent1"/>
+          </a:fillRef>
+          <a:effectRef idx="2">
+            <a:schemeClr val="accent1"/>
+          </a:effectRef>
+          <a:fontRef idx="minor">
+            <a:schemeClr val="lt1"/>
+          </a:fontRef>
+        </p:style>
+        <p:txBody>
+          <a:bodyPr rtlCol="0" anchor="ctr"/>
+          <a:lstStyle/>
+          <a:p>
+            <a:pPr algn="ctr">
+              <a:defRPr sz="1200" b="1"/>
+            </a:pPr>
+            <a:r>
+              <a:t>Output: 17 Q-values</a:t>
+            </a:r>
+            <a:br/>
+            <a:r>
+              <a:t>(one per action)</a:t>
+            </a:r>
+          </a:p>
+        </p:txBody>
+      </p:sp>
+      <p:sp>
+        <p:nvSpPr>
+          <p:cNvPr id="13" name="TextBox 12"/>
+          <p:cNvSpPr txBox="1"/>
+          <p:nvPr/>
+        </p:nvSpPr>
+        <p:spPr>
+          <a:xfrm>
+            <a:off x="457200" y="6400800"/>
+            <a:ext cx="8229600" cy="274320"/>
+          </a:xfrm>
+          <a:prstGeom prst="rect">
+            <a:avLst/>
+          </a:prstGeom>
+          <a:noFill/>
+        </p:spPr>
+        <p:txBody>
+          <a:bodyPr wrap="square">
+            <a:spAutoFit/>
+          </a:bodyPr>
+          <a:lstStyle/>
+          <a:p>
+            <a:pPr algn="ctr">
+              <a:defRPr sz="1000" i="1"/>
+            </a:pPr>
+            <a:r>
+              <a:t>Total Parameters: ~2.5M  |  Key Innovation: Dueling splits Q-learning into state evaluation (V) and action comparison (A)</a:t>
+            </a:r>
+          </a:p>
+        </p:txBody>
+      </p:sp>
+    </p:spTree>
+  </p:cSld>
+  <p:clrMapOvr>
+    <a:masterClrMapping/>
+  </p:clrMapOvr>
+</p:sld>
+</file>
+
+<file path=ppt/slides/slide5.xml><?xml version="1.0" encoding="utf-8"?>
 <p:sld xmlns:a="http://schemas.openxmlformats.org/drawingml/2006/main" xmlns:p="http://schemas.openxmlformats.org/presentationml/2006/main" xmlns:r="http://schemas.openxmlformats.org/officeDocument/2006/relationships">
   <p:cSld>
     <p:spTree>
@@ -6459,7 +7490,7 @@
 </p:sld>
 </file>
 
-<file path=ppt/slides/slide5.xml><?xml version="1.0" encoding="utf-8"?>
+<file path=ppt/slides/slide6.xml><?xml version="1.0" encoding="utf-8"?>
 <p:sld xmlns:a="http://schemas.openxmlformats.org/drawingml/2006/main" xmlns:p="http://schemas.openxmlformats.org/presentationml/2006/main" xmlns:r="http://schemas.openxmlformats.org/officeDocument/2006/relationships">
   <p:cSld>
     <p:spTree>
@@ -6632,199 +7663,6 @@
             </a:pPr>
             <a:r>
               <a:t>Bottom panel: Episode length - shows how many steps agent survives per episode (longer = better survival)</a:t>
-            </a:r>
-          </a:p>
-        </p:txBody>
-      </p:sp>
-    </p:spTree>
-  </p:cSld>
-  <p:clrMapOvr>
-    <a:masterClrMapping/>
-  </p:clrMapOvr>
-</p:sld>
-</file>
-
-<file path=ppt/slides/slide6.xml><?xml version="1.0" encoding="utf-8"?>
-<p:sld xmlns:a="http://schemas.openxmlformats.org/drawingml/2006/main" xmlns:p="http://schemas.openxmlformats.org/presentationml/2006/main" xmlns:r="http://schemas.openxmlformats.org/officeDocument/2006/relationships">
-  <p:cSld>
-    <p:spTree>
-      <p:nvGrpSpPr>
-        <p:cNvPr id="1" name=""/>
-        <p:cNvGrpSpPr/>
-        <p:nvPr/>
-      </p:nvGrpSpPr>
-      <p:grpSpPr/>
-      <p:sp>
-        <p:nvSpPr>
-          <p:cNvPr id="2" name="TextBox 1"/>
-          <p:cNvSpPr txBox="1"/>
-          <p:nvPr/>
-        </p:nvSpPr>
-        <p:spPr>
-          <a:xfrm>
-            <a:off x="457200" y="274320"/>
-            <a:ext cx="8229600" cy="548640"/>
-          </a:xfrm>
-          <a:prstGeom prst="rect">
-            <a:avLst/>
-          </a:prstGeom>
-          <a:noFill/>
-        </p:spPr>
-        <p:txBody>
-          <a:bodyPr wrap="none">
-            <a:spAutoFit/>
-          </a:bodyPr>
-          <a:lstStyle/>
-          <a:p>
-            <a:pPr>
-              <a:defRPr sz="3200" b="1">
-                <a:solidFill>
-                  <a:srgbClr val="003366"/>
-                </a:solidFill>
-              </a:defRPr>
-            </a:pPr>
-            <a:r>
-              <a:t>Training Dynamics: How the Agent Learns</a:t>
-            </a:r>
-          </a:p>
-        </p:txBody>
-      </p:sp>
-      <p:sp>
-        <p:nvSpPr>
-          <p:cNvPr id="3" name="TextBox 2"/>
-          <p:cNvSpPr txBox="1"/>
-          <p:nvPr/>
-        </p:nvSpPr>
-        <p:spPr>
-          <a:xfrm>
-            <a:off x="274320" y="868680"/>
-            <a:ext cx="8595360" cy="228600"/>
-          </a:xfrm>
-          <a:prstGeom prst="rect">
-            <a:avLst/>
-          </a:prstGeom>
-          <a:noFill/>
-        </p:spPr>
-        <p:txBody>
-          <a:bodyPr wrap="none">
-            <a:spAutoFit/>
-          </a:bodyPr>
-          <a:lstStyle/>
-          <a:p>
-            <a:pPr algn="ctr">
-              <a:defRPr sz="1200" b="1">
-                <a:solidFill>
-                  <a:srgbClr val="003366"/>
-                </a:solidFill>
-              </a:defRPr>
-            </a:pPr>
-            <a:r>
-              <a:t>MANDATORY PLOT: Average Episodic Reward Over Training - Shows both training progress and evaluation performance</a:t>
-            </a:r>
-          </a:p>
-        </p:txBody>
-      </p:sp>
-      <p:pic>
-        <p:nvPicPr>
-          <p:cNvPr id="4" name="Picture 3" descr="rewards.png"/>
-          <p:cNvPicPr>
-            <a:picLocks noChangeAspect="1"/>
-          </p:cNvPicPr>
-          <p:nvPr/>
-        </p:nvPicPr>
-        <p:blipFill>
-          <a:blip r:embed="rId2"/>
-          <a:stretch>
-            <a:fillRect/>
-          </a:stretch>
-        </p:blipFill>
-        <p:spPr>
-          <a:xfrm>
-            <a:off x="274320" y="1143000"/>
-            <a:ext cx="8595360" cy="2819601"/>
-          </a:xfrm>
-          <a:prstGeom prst="rect">
-            <a:avLst/>
-          </a:prstGeom>
-        </p:spPr>
-      </p:pic>
-      <p:sp>
-        <p:nvSpPr>
-          <p:cNvPr id="5" name="Rounded Rectangle 4"/>
-          <p:cNvSpPr/>
-          <p:nvPr/>
-        </p:nvSpPr>
-        <p:spPr>
-          <a:xfrm>
-            <a:off x="457200" y="5943600"/>
-            <a:ext cx="8229600" cy="685800"/>
-          </a:xfrm>
-          <a:prstGeom prst="roundRect">
-            <a:avLst/>
-          </a:prstGeom>
-          <a:solidFill>
-            <a:srgbClr val="F0F5FF"/>
-          </a:solidFill>
-          <a:ln>
-            <a:solidFill>
-              <a:srgbClr val="0070C0"/>
-            </a:solidFill>
-          </a:ln>
-        </p:spPr>
-        <p:style>
-          <a:lnRef idx="1">
-            <a:schemeClr val="accent1"/>
-          </a:lnRef>
-          <a:fillRef idx="3">
-            <a:schemeClr val="accent1"/>
-          </a:fillRef>
-          <a:effectRef idx="2">
-            <a:schemeClr val="accent1"/>
-          </a:effectRef>
-          <a:fontRef idx="minor">
-            <a:schemeClr val="lt1"/>
-          </a:fontRef>
-        </p:style>
-        <p:txBody>
-          <a:bodyPr rtlCol="0" anchor="ctr" wrap="square"/>
-          <a:lstStyle/>
-          <a:p>
-            <a:pPr algn="ctr"/>
-          </a:p>
-          <a:p>
-            <a:pPr>
-              <a:defRPr sz="1300" b="1">
-                <a:solidFill>
-                  <a:srgbClr val="003366"/>
-                </a:solidFill>
-              </a:defRPr>
-            </a:pPr>
-            <a:r>
-              <a:t>What We See: Three distinct learning phases</a:t>
-            </a:r>
-          </a:p>
-          <a:p>
-            <a:pPr lvl="1">
-              <a:defRPr sz="1100" b="0"/>
-            </a:pPr>
-            <a:r>
-              <a:t>Phase 1 (0-50k steps): Exploration phase - ε decays from 1.0→0.01, agent explores randomly, reward increases slowly</a:t>
-            </a:r>
-          </a:p>
-          <a:p>
-            <a:pPr lvl="1">
-              <a:defRPr sz="1100" b="0"/>
-            </a:pPr>
-            <a:r>
-              <a:t>Phase 2 (50k-200k): Rapid learning - exploitation begins, sharp performance gain, reaches ~4.0 reward</a:t>
-            </a:r>
-          </a:p>
-          <a:p>
-            <a:pPr lvl="1">
-              <a:defRPr sz="1100" b="0"/>
-            </a:pPr>
-            <a:r>
-              <a:t>Phase 3 (200k-1M): Refinement - gradual improvement to 4.90 ± 0.16, low variance = stable policy</a:t>
             </a:r>
           </a:p>
         </p:txBody>
@@ -6849,23 +7687,119 @@
       <p:grpSpPr/>
       <p:sp>
         <p:nvSpPr>
-          <p:cNvPr id="2" name="Rectangle 1"/>
-          <p:cNvSpPr/>
+          <p:cNvPr id="2" name="TextBox 1"/>
+          <p:cNvSpPr txBox="1"/>
           <p:nvPr/>
         </p:nvSpPr>
         <p:spPr>
           <a:xfrm>
-            <a:off x="0" y="0"/>
-            <a:ext cx="9144000" cy="822960"/>
+            <a:off x="457200" y="274320"/>
+            <a:ext cx="8229600" cy="548640"/>
           </a:xfrm>
           <a:prstGeom prst="rect">
             <a:avLst/>
           </a:prstGeom>
+          <a:noFill/>
+        </p:spPr>
+        <p:txBody>
+          <a:bodyPr wrap="none">
+            <a:spAutoFit/>
+          </a:bodyPr>
+          <a:lstStyle/>
+          <a:p>
+            <a:pPr>
+              <a:defRPr sz="3200" b="1">
+                <a:solidFill>
+                  <a:srgbClr val="003366"/>
+                </a:solidFill>
+              </a:defRPr>
+            </a:pPr>
+            <a:r>
+              <a:t>Training Dynamics: How the Agent Learns</a:t>
+            </a:r>
+          </a:p>
+        </p:txBody>
+      </p:sp>
+      <p:sp>
+        <p:nvSpPr>
+          <p:cNvPr id="3" name="TextBox 2"/>
+          <p:cNvSpPr txBox="1"/>
+          <p:nvPr/>
+        </p:nvSpPr>
+        <p:spPr>
+          <a:xfrm>
+            <a:off x="274320" y="868680"/>
+            <a:ext cx="8595360" cy="228600"/>
+          </a:xfrm>
+          <a:prstGeom prst="rect">
+            <a:avLst/>
+          </a:prstGeom>
+          <a:noFill/>
+        </p:spPr>
+        <p:txBody>
+          <a:bodyPr wrap="none">
+            <a:spAutoFit/>
+          </a:bodyPr>
+          <a:lstStyle/>
+          <a:p>
+            <a:pPr algn="ctr">
+              <a:defRPr sz="1200" b="1">
+                <a:solidFill>
+                  <a:srgbClr val="003366"/>
+                </a:solidFill>
+              </a:defRPr>
+            </a:pPr>
+            <a:r>
+              <a:t>MANDATORY PLOT: Average Episodic Reward Over Training - Shows both training progress and evaluation performance</a:t>
+            </a:r>
+          </a:p>
+        </p:txBody>
+      </p:sp>
+      <p:pic>
+        <p:nvPicPr>
+          <p:cNvPr id="4" name="Picture 3" descr="rewards.png"/>
+          <p:cNvPicPr>
+            <a:picLocks noChangeAspect="1"/>
+          </p:cNvPicPr>
+          <p:nvPr/>
+        </p:nvPicPr>
+        <p:blipFill>
+          <a:blip r:embed="rId2"/>
+          <a:stretch>
+            <a:fillRect/>
+          </a:stretch>
+        </p:blipFill>
+        <p:spPr>
+          <a:xfrm>
+            <a:off x="274320" y="1143000"/>
+            <a:ext cx="8595360" cy="2819601"/>
+          </a:xfrm>
+          <a:prstGeom prst="rect">
+            <a:avLst/>
+          </a:prstGeom>
+        </p:spPr>
+      </p:pic>
+      <p:sp>
+        <p:nvSpPr>
+          <p:cNvPr id="5" name="Rounded Rectangle 4"/>
+          <p:cNvSpPr/>
+          <p:nvPr/>
+        </p:nvSpPr>
+        <p:spPr>
+          <a:xfrm>
+            <a:off x="457200" y="5943600"/>
+            <a:ext cx="8229600" cy="685800"/>
+          </a:xfrm>
+          <a:prstGeom prst="roundRect">
+            <a:avLst/>
+          </a:prstGeom>
           <a:solidFill>
-            <a:srgbClr val="003366"/>
+            <a:srgbClr val="F0F5FF"/>
           </a:solidFill>
           <a:ln>
-            <a:noFill/>
+            <a:solidFill>
+              <a:srgbClr val="0070C0"/>
+            </a:solidFill>
           </a:ln>
         </p:spPr>
         <p:style>
@@ -6883,377 +7817,45 @@
           </a:fontRef>
         </p:style>
         <p:txBody>
-          <a:bodyPr rtlCol="0" anchor="ctr"/>
+          <a:bodyPr rtlCol="0" anchor="ctr" wrap="square"/>
           <a:lstStyle/>
           <a:p>
             <a:pPr algn="ctr"/>
           </a:p>
-        </p:txBody>
-      </p:sp>
-      <p:sp>
-        <p:nvSpPr>
-          <p:cNvPr id="3" name="TextBox 2"/>
-          <p:cNvSpPr txBox="1"/>
-          <p:nvPr/>
-        </p:nvSpPr>
-        <p:spPr>
-          <a:xfrm>
-            <a:off x="457200" y="182880"/>
-            <a:ext cx="8229600" cy="548640"/>
-          </a:xfrm>
-          <a:prstGeom prst="rect">
-            <a:avLst/>
-          </a:prstGeom>
-          <a:noFill/>
-        </p:spPr>
-        <p:txBody>
-          <a:bodyPr wrap="none">
-            <a:spAutoFit/>
-          </a:bodyPr>
-          <a:lstStyle/>
           <a:p>
             <a:pPr>
-              <a:defRPr sz="3200" b="1">
-                <a:solidFill>
-                  <a:srgbClr val="FFFFFF"/>
-                </a:solidFill>
-              </a:defRPr>
-            </a:pPr>
-            <a:r>
-              <a:t>Exploration Experiment: Does Longer Exploration Help?</a:t>
-            </a:r>
-          </a:p>
-        </p:txBody>
-      </p:sp>
-      <p:sp>
-        <p:nvSpPr>
-          <p:cNvPr id="4" name="TextBox 3"/>
-          <p:cNvSpPr txBox="1"/>
-          <p:nvPr/>
-        </p:nvSpPr>
-        <p:spPr>
-          <a:xfrm>
-            <a:off x="457200" y="1097280"/>
-            <a:ext cx="8229600" cy="731520"/>
-          </a:xfrm>
-          <a:prstGeom prst="rect">
-            <a:avLst/>
-          </a:prstGeom>
-          <a:noFill/>
-        </p:spPr>
-        <p:txBody>
-          <a:bodyPr wrap="square">
-            <a:spAutoFit/>
-          </a:bodyPr>
-          <a:lstStyle/>
-          <a:p/>
-          <a:p>
-            <a:pPr>
-              <a:defRPr sz="1600" b="1">
+              <a:defRPr sz="1300" b="1">
                 <a:solidFill>
                   <a:srgbClr val="003366"/>
                 </a:solidFill>
               </a:defRPr>
             </a:pPr>
             <a:r>
-              <a:t>Hypothesis: Extended epsilon-greedy (200k decay vs 50k) will help discover more strategies</a:t>
+              <a:t>What We See: Three distinct learning phases</a:t>
             </a:r>
           </a:p>
           <a:p>
             <a:pPr lvl="1">
-              <a:defRPr sz="1400" b="0"/>
-            </a:pPr>
-            <a:r>
-              <a:t>Standard: ε: 1.0→0.01 over 50k steps | Extended: ε: 1.0→0.05 over 200k steps (4× longer)</a:t>
-            </a:r>
-          </a:p>
-        </p:txBody>
-      </p:sp>
-      <p:sp>
-        <p:nvSpPr>
-          <p:cNvPr id="5" name="Rounded Rectangle 4"/>
-          <p:cNvSpPr/>
-          <p:nvPr/>
-        </p:nvSpPr>
-        <p:spPr>
-          <a:xfrm>
-            <a:off x="457200" y="2103120"/>
-            <a:ext cx="4114800" cy="3474720"/>
-          </a:xfrm>
-          <a:prstGeom prst="roundRect">
-            <a:avLst/>
-          </a:prstGeom>
-          <a:solidFill>
-            <a:srgbClr val="E6FFE6"/>
-          </a:solidFill>
-          <a:ln>
-            <a:solidFill>
-              <a:srgbClr val="009900"/>
-            </a:solidFill>
-          </a:ln>
-        </p:spPr>
-        <p:style>
-          <a:lnRef idx="1">
-            <a:schemeClr val="accent1"/>
-          </a:lnRef>
-          <a:fillRef idx="3">
-            <a:schemeClr val="accent1"/>
-          </a:fillRef>
-          <a:effectRef idx="2">
-            <a:schemeClr val="accent1"/>
-          </a:effectRef>
-          <a:fontRef idx="minor">
-            <a:schemeClr val="lt1"/>
-          </a:fontRef>
-        </p:style>
-        <p:txBody>
-          <a:bodyPr rtlCol="0" anchor="ctr" wrap="square"/>
-          <a:lstStyle/>
-          <a:p>
-            <a:pPr algn="ctr"/>
-          </a:p>
-          <a:p>
-            <a:pPr>
-              <a:defRPr sz="1800" b="1">
-                <a:solidFill>
-                  <a:srgbClr val="009900"/>
-                </a:solidFill>
-              </a:defRPr>
-            </a:pPr>
-            <a:r>
-              <a:t>Standard Schedule (50k) ✓</a:t>
+              <a:defRPr sz="1100" b="0"/>
+            </a:pPr>
+            <a:r>
+              <a:t>Phase 1 (0-50k steps): Exploration phase - ε decays from 1.0→0.01, agent explores randomly, reward increases slowly</a:t>
             </a:r>
           </a:p>
           <a:p>
             <a:pPr lvl="1">
-              <a:defRPr sz="1400" b="1"/>
-            </a:pPr>
-            <a:r>
-              <a:t>Base DQN: 4.17 ± 0.10</a:t>
+              <a:defRPr sz="1100" b="0"/>
+            </a:pPr>
+            <a:r>
+              <a:t>Phase 2 (50k-200k): Rapid learning - exploitation begins, sharp performance gain, reaches ~4.0 reward</a:t>
             </a:r>
           </a:p>
           <a:p>
             <a:pPr lvl="1">
-              <a:defRPr sz="1400" b="1"/>
-            </a:pPr>
-            <a:r>
-              <a:t>Enhanced DQN: 4.90 ± 0.16</a:t>
-            </a:r>
-          </a:p>
-          <a:p/>
-          <a:p>
-            <a:pPr lvl="1">
-              <a:defRPr sz="1400" b="1"/>
-            </a:pPr>
-            <a:r>
-              <a:t>Characteristics:</a:t>
-            </a:r>
-          </a:p>
-          <a:p>
-            <a:pPr lvl="2">
-              <a:defRPr sz="1300" b="0"/>
-            </a:pPr>
-            <a:r>
-              <a:t>✓ Fast convergence</a:t>
-            </a:r>
-          </a:p>
-          <a:p>
-            <a:pPr lvl="2">
-              <a:defRPr sz="1300" b="0"/>
-            </a:pPr>
-            <a:r>
-              <a:t>✓ Low variance</a:t>
-            </a:r>
-          </a:p>
-          <a:p>
-            <a:pPr lvl="2">
-              <a:defRPr sz="1300" b="0"/>
-            </a:pPr>
-            <a:r>
-              <a:t>✓ Stable training</a:t>
-            </a:r>
-          </a:p>
-          <a:p>
-            <a:pPr lvl="2">
-              <a:defRPr sz="1300" b="0"/>
-            </a:pPr>
-            <a:r>
-              <a:t>✓ Well-calibrated</a:t>
-            </a:r>
-          </a:p>
-        </p:txBody>
-      </p:sp>
-      <p:sp>
-        <p:nvSpPr>
-          <p:cNvPr id="6" name="Rounded Rectangle 5"/>
-          <p:cNvSpPr/>
-          <p:nvPr/>
-        </p:nvSpPr>
-        <p:spPr>
-          <a:xfrm>
-            <a:off x="4572000" y="2103120"/>
-            <a:ext cx="4114800" cy="3474720"/>
-          </a:xfrm>
-          <a:prstGeom prst="roundRect">
-            <a:avLst/>
-          </a:prstGeom>
-          <a:solidFill>
-            <a:srgbClr val="FFE6E6"/>
-          </a:solidFill>
-          <a:ln>
-            <a:solidFill>
-              <a:srgbClr val="CC0000"/>
-            </a:solidFill>
-          </a:ln>
-        </p:spPr>
-        <p:style>
-          <a:lnRef idx="1">
-            <a:schemeClr val="accent1"/>
-          </a:lnRef>
-          <a:fillRef idx="3">
-            <a:schemeClr val="accent1"/>
-          </a:fillRef>
-          <a:effectRef idx="2">
-            <a:schemeClr val="accent1"/>
-          </a:effectRef>
-          <a:fontRef idx="minor">
-            <a:schemeClr val="lt1"/>
-          </a:fontRef>
-        </p:style>
-        <p:txBody>
-          <a:bodyPr rtlCol="0" anchor="ctr" wrap="square"/>
-          <a:lstStyle/>
-          <a:p>
-            <a:pPr algn="ctr"/>
-          </a:p>
-          <a:p>
-            <a:pPr>
-              <a:defRPr sz="1800" b="1">
-                <a:solidFill>
-                  <a:srgbClr val="CC0000"/>
-                </a:solidFill>
-              </a:defRPr>
-            </a:pPr>
-            <a:r>
-              <a:t>Extended Schedule (200k) ✗</a:t>
-            </a:r>
-          </a:p>
-          <a:p>
-            <a:pPr lvl="1">
-              <a:defRPr sz="1400" b="1"/>
-            </a:pPr>
-            <a:r>
-              <a:t>Base DQN: 3.53 ± 0.77 (-15%)</a:t>
-            </a:r>
-          </a:p>
-          <a:p>
-            <a:pPr lvl="1">
-              <a:defRPr sz="1400" b="1"/>
-            </a:pPr>
-            <a:r>
-              <a:t>Enhanced DQN: 4.33 ± 0.16 (-12%)</a:t>
-            </a:r>
-          </a:p>
-          <a:p/>
-          <a:p>
-            <a:pPr lvl="1">
-              <a:defRPr sz="1400" b="1"/>
-            </a:pPr>
-            <a:r>
-              <a:t>Characteristics:</a:t>
-            </a:r>
-          </a:p>
-          <a:p>
-            <a:pPr lvl="2">
-              <a:defRPr sz="1300" b="0"/>
-            </a:pPr>
-            <a:r>
-              <a:t>✗ Slower convergence</a:t>
-            </a:r>
-          </a:p>
-          <a:p>
-            <a:pPr lvl="2">
-              <a:defRPr sz="1300" b="0"/>
-            </a:pPr>
-            <a:r>
-              <a:t>✗ High variance (7.7×)</a:t>
-            </a:r>
-          </a:p>
-          <a:p>
-            <a:pPr lvl="2">
-              <a:defRPr sz="1300" b="0"/>
-            </a:pPr>
-            <a:r>
-              <a:t>✗ Delayed learning</a:t>
-            </a:r>
-          </a:p>
-          <a:p>
-            <a:pPr lvl="2">
-              <a:defRPr sz="1300" b="0"/>
-            </a:pPr>
-            <a:r>
-              <a:t>✗ No benefit observed</a:t>
-            </a:r>
-          </a:p>
-        </p:txBody>
-      </p:sp>
-      <p:sp>
-        <p:nvSpPr>
-          <p:cNvPr id="7" name="Rounded Rectangle 6"/>
-          <p:cNvSpPr/>
-          <p:nvPr/>
-        </p:nvSpPr>
-        <p:spPr>
-          <a:xfrm>
-            <a:off x="914400" y="5760720"/>
-            <a:ext cx="7315200" cy="822960"/>
-          </a:xfrm>
-          <a:prstGeom prst="roundRect">
-            <a:avLst/>
-          </a:prstGeom>
-          <a:solidFill>
-            <a:srgbClr val="CC0000"/>
-          </a:solidFill>
-        </p:spPr>
-        <p:style>
-          <a:lnRef idx="1">
-            <a:schemeClr val="accent1"/>
-          </a:lnRef>
-          <a:fillRef idx="3">
-            <a:schemeClr val="accent1"/>
-          </a:fillRef>
-          <a:effectRef idx="2">
-            <a:schemeClr val="accent1"/>
-          </a:effectRef>
-          <a:fontRef idx="minor">
-            <a:schemeClr val="lt1"/>
-          </a:fontRef>
-        </p:style>
-        <p:txBody>
-          <a:bodyPr rtlCol="0" anchor="ctr"/>
-          <a:lstStyle/>
-          <a:p>
-            <a:pPr algn="ctr">
-              <a:defRPr sz="1800" b="1">
-                <a:solidFill>
-                  <a:srgbClr val="FFFFFF"/>
-                </a:solidFill>
-              </a:defRPr>
-            </a:pPr>
-            <a:r>
-              <a:t>❌ HYPOTHESIS REJECTED: Extended exploration DECREASED performance by 12-15%</a:t>
-            </a:r>
-          </a:p>
-          <a:p>
-            <a:pPr algn="ctr">
-              <a:defRPr sz="1400">
-                <a:solidFill>
-                  <a:srgbClr val="FFFFFF"/>
-                </a:solidFill>
-              </a:defRPr>
-            </a:pPr>
-            <a:r>
-              <a:t>Insight: 50k ε-decay is well-calibrated. Focus on SMARTER exploration, not LONGER exploration.</a:t>
+              <a:defRPr sz="1100" b="0"/>
+            </a:pPr>
+            <a:r>
+              <a:t>Phase 3 (200k-1M): Refinement - gradual improvement to 4.90 ± 0.16, low variance = stable policy</a:t>
             </a:r>
           </a:p>
         </p:txBody>
@@ -7278,13 +7880,56 @@
       <p:grpSpPr/>
       <p:sp>
         <p:nvSpPr>
-          <p:cNvPr id="2" name="TextBox 1"/>
+          <p:cNvPr id="2" name="Rectangle 1"/>
+          <p:cNvSpPr/>
+          <p:nvPr/>
+        </p:nvSpPr>
+        <p:spPr>
+          <a:xfrm>
+            <a:off x="0" y="0"/>
+            <a:ext cx="9144000" cy="822960"/>
+          </a:xfrm>
+          <a:prstGeom prst="rect">
+            <a:avLst/>
+          </a:prstGeom>
+          <a:solidFill>
+            <a:srgbClr val="003366"/>
+          </a:solidFill>
+          <a:ln>
+            <a:noFill/>
+          </a:ln>
+        </p:spPr>
+        <p:style>
+          <a:lnRef idx="1">
+            <a:schemeClr val="accent1"/>
+          </a:lnRef>
+          <a:fillRef idx="3">
+            <a:schemeClr val="accent1"/>
+          </a:fillRef>
+          <a:effectRef idx="2">
+            <a:schemeClr val="accent1"/>
+          </a:effectRef>
+          <a:fontRef idx="minor">
+            <a:schemeClr val="lt1"/>
+          </a:fontRef>
+        </p:style>
+        <p:txBody>
+          <a:bodyPr rtlCol="0" anchor="ctr"/>
+          <a:lstStyle/>
+          <a:p>
+            <a:pPr algn="ctr"/>
+          </a:p>
+        </p:txBody>
+      </p:sp>
+      <p:sp>
+        <p:nvSpPr>
+          <p:cNvPr id="3" name="TextBox 2"/>
           <p:cNvSpPr txBox="1"/>
           <p:nvPr/>
         </p:nvSpPr>
         <p:spPr>
           <a:xfrm>
-            <a:off x="457200" y="274320"/>
+            <a:off x="457200" y="182880"/>
             <a:ext cx="8229600" cy="548640"/>
           </a:xfrm>
           <a:prstGeom prst="rect">
@@ -7301,26 +7946,26 @@
             <a:pPr>
               <a:defRPr sz="3200" b="1">
                 <a:solidFill>
-                  <a:srgbClr val="003366"/>
+                  <a:srgbClr val="FFFFFF"/>
                 </a:solidFill>
               </a:defRPr>
             </a:pPr>
             <a:r>
-              <a:t>Visual Proof: Extended Exploration Hurts Performance</a:t>
-            </a:r>
-          </a:p>
-        </p:txBody>
-      </p:sp>
-      <p:sp>
-        <p:nvSpPr>
-          <p:cNvPr id="3" name="TextBox 2"/>
+              <a:t>Exploration Experiment: Does Longer Exploration Help?</a:t>
+            </a:r>
+          </a:p>
+        </p:txBody>
+      </p:sp>
+      <p:sp>
+        <p:nvSpPr>
+          <p:cNvPr id="4" name="TextBox 3"/>
           <p:cNvSpPr txBox="1"/>
           <p:nvPr/>
         </p:nvSpPr>
         <p:spPr>
           <a:xfrm>
-            <a:off x="182880" y="868680"/>
-            <a:ext cx="8778240" cy="228600"/>
+            <a:off x="457200" y="1097280"/>
+            <a:ext cx="8229600" cy="731520"/>
           </a:xfrm>
           <a:prstGeom prst="rect">
             <a:avLst/>
@@ -7328,162 +7973,163 @@
           <a:noFill/>
         </p:spPr>
         <p:txBody>
-          <a:bodyPr wrap="none">
+          <a:bodyPr wrap="square">
             <a:spAutoFit/>
           </a:bodyPr>
           <a:lstStyle/>
-          <a:p>
-            <a:pPr algn="ctr">
-              <a:defRPr sz="1200" b="1">
+          <a:p/>
+          <a:p>
+            <a:pPr>
+              <a:defRPr sz="1600" b="1">
                 <a:solidFill>
                   <a:srgbClr val="003366"/>
                 </a:solidFill>
               </a:defRPr>
             </a:pPr>
             <a:r>
-              <a:t>Direct Comparison: Same algorithm, same hyperparameters, only difference is ε-decay schedule (50k vs 200k steps)</a:t>
-            </a:r>
-          </a:p>
-        </p:txBody>
-      </p:sp>
-      <p:pic>
-        <p:nvPicPr>
-          <p:cNvPr id="4" name="Picture 3" descr="rewards.png"/>
-          <p:cNvPicPr>
-            <a:picLocks noChangeAspect="1"/>
-          </p:cNvPicPr>
-          <p:nvPr/>
-        </p:nvPicPr>
-        <p:blipFill>
-          <a:blip r:embed="rId2"/>
-          <a:stretch>
-            <a:fillRect/>
-          </a:stretch>
-        </p:blipFill>
-        <p:spPr>
-          <a:xfrm>
-            <a:off x="457200" y="1143000"/>
-            <a:ext cx="8229600" cy="2699618"/>
-          </a:xfrm>
-          <a:prstGeom prst="rect">
-            <a:avLst/>
-          </a:prstGeom>
-        </p:spPr>
-      </p:pic>
-      <p:sp>
-        <p:nvSpPr>
-          <p:cNvPr id="5" name="TextBox 4"/>
-          <p:cNvSpPr txBox="1"/>
-          <p:nvPr/>
-        </p:nvSpPr>
-        <p:spPr>
-          <a:xfrm>
-            <a:off x="457200" y="1143000"/>
-            <a:ext cx="8229600" cy="365760"/>
-          </a:xfrm>
-          <a:prstGeom prst="rect">
-            <a:avLst/>
-          </a:prstGeom>
-          <a:solidFill>
-            <a:srgbClr val="009900"/>
-          </a:solidFill>
-        </p:spPr>
-        <p:txBody>
-          <a:bodyPr wrap="none">
-            <a:spAutoFit/>
-          </a:bodyPr>
-          <a:lstStyle/>
-          <a:p>
-            <a:pPr algn="ctr">
-              <a:defRPr sz="1400" b="1">
-                <a:solidFill>
-                  <a:srgbClr val="FFFFFF"/>
-                </a:solidFill>
-              </a:defRPr>
-            </a:pPr>
-            <a:r>
-              <a:t>Standard Schedule (50k ε-decay): ε from 1.0→0.01 over 50k steps ✓ BEST PERFORMANCE</a:t>
-            </a:r>
-          </a:p>
-        </p:txBody>
-      </p:sp>
-      <p:pic>
-        <p:nvPicPr>
-          <p:cNvPr id="6" name="Picture 5" descr="rewards.png"/>
-          <p:cNvPicPr>
-            <a:picLocks noChangeAspect="1"/>
-          </p:cNvPicPr>
-          <p:nvPr/>
-        </p:nvPicPr>
-        <p:blipFill>
-          <a:blip r:embed="rId3"/>
-          <a:stretch>
-            <a:fillRect/>
-          </a:stretch>
-        </p:blipFill>
-        <p:spPr>
-          <a:xfrm>
-            <a:off x="457200" y="3657600"/>
-            <a:ext cx="8229600" cy="2699014"/>
-          </a:xfrm>
-          <a:prstGeom prst="rect">
-            <a:avLst/>
-          </a:prstGeom>
-        </p:spPr>
-      </p:pic>
-      <p:sp>
-        <p:nvSpPr>
-          <p:cNvPr id="7" name="TextBox 6"/>
-          <p:cNvSpPr txBox="1"/>
-          <p:nvPr/>
-        </p:nvSpPr>
-        <p:spPr>
-          <a:xfrm>
-            <a:off x="457200" y="3657600"/>
-            <a:ext cx="8229600" cy="365760"/>
-          </a:xfrm>
-          <a:prstGeom prst="rect">
-            <a:avLst/>
-          </a:prstGeom>
-          <a:solidFill>
-            <a:srgbClr val="CC0000"/>
-          </a:solidFill>
-        </p:spPr>
-        <p:txBody>
-          <a:bodyPr wrap="none">
-            <a:spAutoFit/>
-          </a:bodyPr>
-          <a:lstStyle/>
-          <a:p>
-            <a:pPr algn="ctr">
-              <a:defRPr sz="1400" b="1">
-                <a:solidFill>
-                  <a:srgbClr val="FFFFFF"/>
-                </a:solidFill>
-              </a:defRPr>
-            </a:pPr>
-            <a:r>
-              <a:t>Extended Schedule (200k ε-decay): ε from 1.0→0.05 over 200k steps ✗ LOWER PERFORMANCE (-12%)</a:t>
-            </a:r>
-          </a:p>
-        </p:txBody>
-      </p:sp>
-      <p:sp>
-        <p:nvSpPr>
-          <p:cNvPr id="8" name="Rounded Rectangle 7"/>
+              <a:t>Hypothesis: Extended epsilon-greedy (200k decay vs 50k) will help discover more strategies</a:t>
+            </a:r>
+          </a:p>
+          <a:p>
+            <a:pPr lvl="1">
+              <a:defRPr sz="1400" b="0"/>
+            </a:pPr>
+            <a:r>
+              <a:t>Standard: ε: 1.0→0.01 over 50k steps | Extended: ε: 1.0→0.05 over 200k steps (4× longer)</a:t>
+            </a:r>
+          </a:p>
+        </p:txBody>
+      </p:sp>
+      <p:sp>
+        <p:nvSpPr>
+          <p:cNvPr id="5" name="Rounded Rectangle 4"/>
           <p:cNvSpPr/>
           <p:nvPr/>
         </p:nvSpPr>
         <p:spPr>
           <a:xfrm>
-            <a:off x="457200" y="6217920"/>
-            <a:ext cx="8229600" cy="411480"/>
+            <a:off x="457200" y="2103120"/>
+            <a:ext cx="4114800" cy="3474720"/>
           </a:xfrm>
           <a:prstGeom prst="roundRect">
             <a:avLst/>
           </a:prstGeom>
           <a:solidFill>
-            <a:srgbClr val="FFF0F0"/>
+            <a:srgbClr val="E6FFE6"/>
+          </a:solidFill>
+          <a:ln>
+            <a:solidFill>
+              <a:srgbClr val="009900"/>
+            </a:solidFill>
+          </a:ln>
+        </p:spPr>
+        <p:style>
+          <a:lnRef idx="1">
+            <a:schemeClr val="accent1"/>
+          </a:lnRef>
+          <a:fillRef idx="3">
+            <a:schemeClr val="accent1"/>
+          </a:fillRef>
+          <a:effectRef idx="2">
+            <a:schemeClr val="accent1"/>
+          </a:effectRef>
+          <a:fontRef idx="minor">
+            <a:schemeClr val="lt1"/>
+          </a:fontRef>
+        </p:style>
+        <p:txBody>
+          <a:bodyPr rtlCol="0" anchor="ctr" wrap="square"/>
+          <a:lstStyle/>
+          <a:p>
+            <a:pPr algn="ctr"/>
+          </a:p>
+          <a:p>
+            <a:pPr>
+              <a:defRPr sz="1800" b="1">
+                <a:solidFill>
+                  <a:srgbClr val="009900"/>
+                </a:solidFill>
+              </a:defRPr>
+            </a:pPr>
+            <a:r>
+              <a:t>Standard Schedule (50k) ✓</a:t>
+            </a:r>
+          </a:p>
+          <a:p>
+            <a:pPr lvl="1">
+              <a:defRPr sz="1400" b="1"/>
+            </a:pPr>
+            <a:r>
+              <a:t>Base DQN: 4.17 ± 0.10</a:t>
+            </a:r>
+          </a:p>
+          <a:p>
+            <a:pPr lvl="1">
+              <a:defRPr sz="1400" b="1"/>
+            </a:pPr>
+            <a:r>
+              <a:t>Enhanced DQN: 4.90 ± 0.16</a:t>
+            </a:r>
+          </a:p>
+          <a:p/>
+          <a:p>
+            <a:pPr lvl="1">
+              <a:defRPr sz="1400" b="1"/>
+            </a:pPr>
+            <a:r>
+              <a:t>Characteristics:</a:t>
+            </a:r>
+          </a:p>
+          <a:p>
+            <a:pPr lvl="2">
+              <a:defRPr sz="1300" b="0"/>
+            </a:pPr>
+            <a:r>
+              <a:t>✓ Fast convergence</a:t>
+            </a:r>
+          </a:p>
+          <a:p>
+            <a:pPr lvl="2">
+              <a:defRPr sz="1300" b="0"/>
+            </a:pPr>
+            <a:r>
+              <a:t>✓ Low variance</a:t>
+            </a:r>
+          </a:p>
+          <a:p>
+            <a:pPr lvl="2">
+              <a:defRPr sz="1300" b="0"/>
+            </a:pPr>
+            <a:r>
+              <a:t>✓ Stable training</a:t>
+            </a:r>
+          </a:p>
+          <a:p>
+            <a:pPr lvl="2">
+              <a:defRPr sz="1300" b="0"/>
+            </a:pPr>
+            <a:r>
+              <a:t>✓ Well-calibrated</a:t>
+            </a:r>
+          </a:p>
+        </p:txBody>
+      </p:sp>
+      <p:sp>
+        <p:nvSpPr>
+          <p:cNvPr id="6" name="Rounded Rectangle 5"/>
+          <p:cNvSpPr/>
+          <p:nvPr/>
+        </p:nvSpPr>
+        <p:spPr>
+          <a:xfrm>
+            <a:off x="4572000" y="2103120"/>
+            <a:ext cx="4114800" cy="3474720"/>
+          </a:xfrm>
+          <a:prstGeom prst="roundRect">
+            <a:avLst/>
+          </a:prstGeom>
+          <a:solidFill>
+            <a:srgbClr val="FFE6E6"/>
           </a:solidFill>
           <a:ln>
             <a:solidFill>
@@ -7513,14 +8159,132 @@
           </a:p>
           <a:p>
             <a:pPr>
-              <a:defRPr sz="1100" b="1">
+              <a:defRPr sz="1800" b="1">
                 <a:solidFill>
                   <a:srgbClr val="CC0000"/>
                 </a:solidFill>
               </a:defRPr>
             </a:pPr>
             <a:r>
-              <a:t>Conclusion: Standard (top) shows sharp improvement at 50k → final 4.90. Extended (bottom) slows learning until 200k → only 4.33 (-12%). Why? Too much random exploration delays Q-network convergence to good policy.</a:t>
+              <a:t>Extended Schedule (200k) ✗</a:t>
+            </a:r>
+          </a:p>
+          <a:p>
+            <a:pPr lvl="1">
+              <a:defRPr sz="1400" b="1"/>
+            </a:pPr>
+            <a:r>
+              <a:t>Base DQN: 3.53 ± 0.77 (-15%)</a:t>
+            </a:r>
+          </a:p>
+          <a:p>
+            <a:pPr lvl="1">
+              <a:defRPr sz="1400" b="1"/>
+            </a:pPr>
+            <a:r>
+              <a:t>Enhanced DQN: 4.33 ± 0.16 (-12%)</a:t>
+            </a:r>
+          </a:p>
+          <a:p/>
+          <a:p>
+            <a:pPr lvl="1">
+              <a:defRPr sz="1400" b="1"/>
+            </a:pPr>
+            <a:r>
+              <a:t>Characteristics:</a:t>
+            </a:r>
+          </a:p>
+          <a:p>
+            <a:pPr lvl="2">
+              <a:defRPr sz="1300" b="0"/>
+            </a:pPr>
+            <a:r>
+              <a:t>✗ Slower convergence</a:t>
+            </a:r>
+          </a:p>
+          <a:p>
+            <a:pPr lvl="2">
+              <a:defRPr sz="1300" b="0"/>
+            </a:pPr>
+            <a:r>
+              <a:t>✗ High variance (7.7×)</a:t>
+            </a:r>
+          </a:p>
+          <a:p>
+            <a:pPr lvl="2">
+              <a:defRPr sz="1300" b="0"/>
+            </a:pPr>
+            <a:r>
+              <a:t>✗ Delayed learning</a:t>
+            </a:r>
+          </a:p>
+          <a:p>
+            <a:pPr lvl="2">
+              <a:defRPr sz="1300" b="0"/>
+            </a:pPr>
+            <a:r>
+              <a:t>✗ No benefit observed</a:t>
+            </a:r>
+          </a:p>
+        </p:txBody>
+      </p:sp>
+      <p:sp>
+        <p:nvSpPr>
+          <p:cNvPr id="7" name="Rounded Rectangle 6"/>
+          <p:cNvSpPr/>
+          <p:nvPr/>
+        </p:nvSpPr>
+        <p:spPr>
+          <a:xfrm>
+            <a:off x="914400" y="5760720"/>
+            <a:ext cx="7315200" cy="822960"/>
+          </a:xfrm>
+          <a:prstGeom prst="roundRect">
+            <a:avLst/>
+          </a:prstGeom>
+          <a:solidFill>
+            <a:srgbClr val="CC0000"/>
+          </a:solidFill>
+        </p:spPr>
+        <p:style>
+          <a:lnRef idx="1">
+            <a:schemeClr val="accent1"/>
+          </a:lnRef>
+          <a:fillRef idx="3">
+            <a:schemeClr val="accent1"/>
+          </a:fillRef>
+          <a:effectRef idx="2">
+            <a:schemeClr val="accent1"/>
+          </a:effectRef>
+          <a:fontRef idx="minor">
+            <a:schemeClr val="lt1"/>
+          </a:fontRef>
+        </p:style>
+        <p:txBody>
+          <a:bodyPr rtlCol="0" anchor="ctr"/>
+          <a:lstStyle/>
+          <a:p>
+            <a:pPr algn="ctr">
+              <a:defRPr sz="1800" b="1">
+                <a:solidFill>
+                  <a:srgbClr val="FFFFFF"/>
+                </a:solidFill>
+              </a:defRPr>
+            </a:pPr>
+            <a:r>
+              <a:t>❌ HYPOTHESIS REJECTED: Extended exploration DECREASED performance by 12-15%</a:t>
+            </a:r>
+          </a:p>
+          <a:p>
+            <a:pPr algn="ctr">
+              <a:defRPr sz="1400">
+                <a:solidFill>
+                  <a:srgbClr val="FFFFFF"/>
+                </a:solidFill>
+              </a:defRPr>
+            </a:pPr>
+            <a:r>
+              <a:t>Insight: 50k ε-decay is well-calibrated. Focus on SMARTER exploration, not LONGER exploration.</a:t>
             </a:r>
           </a:p>
         </p:txBody>
@@ -7573,7 +8337,7 @@
               </a:defRPr>
             </a:pPr>
             <a:r>
-              <a:t>Achievement Spectrum: What Skills Were Learned? (BONUS)</a:t>
+              <a:t>Visual Proof: Extended Exploration Hurts Performance</a:t>
             </a:r>
           </a:p>
         </p:txBody>
@@ -7586,8 +8350,8 @@
         </p:nvSpPr>
         <p:spPr>
           <a:xfrm>
-            <a:off x="274320" y="868680"/>
-            <a:ext cx="8595360" cy="274320"/>
+            <a:off x="182880" y="868680"/>
+            <a:ext cx="8778240" cy="228600"/>
           </a:xfrm>
           <a:prstGeom prst="rect">
             <a:avLst/>
@@ -7608,14 +8372,14 @@
               </a:defRPr>
             </a:pPr>
             <a:r>
-              <a:t>BONUS PLOT: Success rates across all 22 Crafter achievements - Shows what specific skills the agent learned</a:t>
+              <a:t>Direct Comparison: Same algorithm, same hyperparameters, only difference is ε-decay schedule (50k vs 200k steps)</a:t>
             </a:r>
           </a:p>
         </p:txBody>
       </p:sp>
       <p:pic>
         <p:nvPicPr>
-          <p:cNvPr id="4" name="Picture 3" descr="achievement_spectrum.png"/>
+          <p:cNvPr id="4" name="Picture 3" descr="rewards.png"/>
           <p:cNvPicPr>
             <a:picLocks noChangeAspect="1"/>
           </p:cNvPicPr>
@@ -7629,8 +8393,8 @@
         </p:blipFill>
         <p:spPr>
           <a:xfrm>
-            <a:off x="731520" y="1188720"/>
-            <a:ext cx="7680960" cy="6120442"/>
+            <a:off x="457200" y="1143000"/>
+            <a:ext cx="8229600" cy="2699618"/>
           </a:xfrm>
           <a:prstGeom prst="rect">
             <a:avLst/>
@@ -7639,116 +8403,26 @@
       </p:pic>
       <p:sp>
         <p:nvSpPr>
-          <p:cNvPr id="5" name="Rounded Rectangle 4"/>
-          <p:cNvSpPr/>
+          <p:cNvPr id="5" name="TextBox 4"/>
+          <p:cNvSpPr txBox="1"/>
           <p:nvPr/>
         </p:nvSpPr>
         <p:spPr>
           <a:xfrm>
-            <a:off x="457200" y="5303520"/>
-            <a:ext cx="8229600" cy="548640"/>
-          </a:xfrm>
-          <a:prstGeom prst="roundRect">
-            <a:avLst/>
-          </a:prstGeom>
-          <a:solidFill>
-            <a:srgbClr val="FFFAE6"/>
-          </a:solidFill>
-          <a:ln>
-            <a:solidFill>
-              <a:srgbClr val="C89600"/>
-            </a:solidFill>
-          </a:ln>
-        </p:spPr>
-        <p:style>
-          <a:lnRef idx="1">
-            <a:schemeClr val="accent1"/>
-          </a:lnRef>
-          <a:fillRef idx="3">
-            <a:schemeClr val="accent1"/>
-          </a:fillRef>
-          <a:effectRef idx="2">
-            <a:schemeClr val="accent1"/>
-          </a:effectRef>
-          <a:fontRef idx="minor">
-            <a:schemeClr val="lt1"/>
-          </a:fontRef>
-        </p:style>
-        <p:txBody>
-          <a:bodyPr rtlCol="0" anchor="ctr" wrap="square"/>
-          <a:lstStyle/>
-          <a:p>
-            <a:pPr algn="ctr"/>
-          </a:p>
-          <a:p>
-            <a:pPr>
-              <a:defRPr sz="1200" b="1">
-                <a:solidFill>
-                  <a:srgbClr val="644600"/>
-                </a:solidFill>
-              </a:defRPr>
-            </a:pPr>
-            <a:r>
-              <a:t>What We See: Agent mastered basic survival (wood, stone, food) but struggles with complex multi-step tasks</a:t>
-            </a:r>
-          </a:p>
-          <a:p>
-            <a:pPr lvl="1">
-              <a:defRPr sz="1100" b="0"/>
-            </a:pPr>
-            <a:r>
-              <a:t>Strong: Place table (81%), Eat cow (72%), Collect wood/stone/sapling (60-80%) - Simple, immediate-reward tasks</a:t>
-            </a:r>
-          </a:p>
-          <a:p>
-            <a:pPr lvl="1">
-              <a:defRPr sz="1100" b="0"/>
-            </a:pPr>
-            <a:r>
-              <a:t>Weak: Make iron pickaxe (0%), Diamond (0%) - Require long chains of prerequisites: wood→table→pickaxe→stone→furnace→iron</a:t>
-            </a:r>
-          </a:p>
-        </p:txBody>
-      </p:sp>
-      <p:sp>
-        <p:nvSpPr>
-          <p:cNvPr id="6" name="Rounded Rectangle 5"/>
-          <p:cNvSpPr/>
-          <p:nvPr/>
-        </p:nvSpPr>
-        <p:spPr>
-          <a:xfrm>
-            <a:off x="457200" y="6035040"/>
-            <a:ext cx="2011680" cy="548640"/>
-          </a:xfrm>
-          <a:prstGeom prst="roundRect">
+            <a:off x="457200" y="1143000"/>
+            <a:ext cx="8229600" cy="365760"/>
+          </a:xfrm>
+          <a:prstGeom prst="rect">
             <a:avLst/>
           </a:prstGeom>
           <a:solidFill>
             <a:srgbClr val="009900"/>
           </a:solidFill>
-          <a:ln>
-            <a:solidFill>
-              <a:srgbClr val="009900"/>
-            </a:solidFill>
-          </a:ln>
-        </p:spPr>
-        <p:style>
-          <a:lnRef idx="1">
-            <a:schemeClr val="accent1"/>
-          </a:lnRef>
-          <a:fillRef idx="3">
-            <a:schemeClr val="accent1"/>
-          </a:fillRef>
-          <a:effectRef idx="2">
-            <a:schemeClr val="accent1"/>
-          </a:effectRef>
-          <a:fontRef idx="minor">
-            <a:schemeClr val="lt1"/>
-          </a:fontRef>
-        </p:style>
-        <p:txBody>
-          <a:bodyPr rtlCol="0" anchor="ctr"/>
+        </p:spPr>
+        <p:txBody>
+          <a:bodyPr wrap="none">
+            <a:spAutoFit/>
+          </a:bodyPr>
           <a:lstStyle/>
           <a:p>
             <a:pPr algn="ctr">
@@ -7759,50 +8433,57 @@
               </a:defRPr>
             </a:pPr>
             <a:r>
-              <a:t>10/22 Achievements</a:t>
-            </a:r>
-          </a:p>
-        </p:txBody>
-      </p:sp>
-      <p:sp>
-        <p:nvSpPr>
-          <p:cNvPr id="7" name="Rounded Rectangle 6"/>
-          <p:cNvSpPr/>
+              <a:t>Standard Schedule (50k ε-decay): ε from 1.0→0.01 over 50k steps ✓ BEST PERFORMANCE</a:t>
+            </a:r>
+          </a:p>
+        </p:txBody>
+      </p:sp>
+      <p:pic>
+        <p:nvPicPr>
+          <p:cNvPr id="6" name="Picture 5" descr="rewards.png"/>
+          <p:cNvPicPr>
+            <a:picLocks noChangeAspect="1"/>
+          </p:cNvPicPr>
           <p:nvPr/>
-        </p:nvSpPr>
-        <p:spPr>
-          <a:xfrm>
-            <a:off x="2651760" y="6035040"/>
-            <a:ext cx="2103120" cy="548640"/>
-          </a:xfrm>
-          <a:prstGeom prst="roundRect">
+        </p:nvPicPr>
+        <p:blipFill>
+          <a:blip r:embed="rId3"/>
+          <a:stretch>
+            <a:fillRect/>
+          </a:stretch>
+        </p:blipFill>
+        <p:spPr>
+          <a:xfrm>
+            <a:off x="457200" y="3657600"/>
+            <a:ext cx="8229600" cy="2699014"/>
+          </a:xfrm>
+          <a:prstGeom prst="rect">
+            <a:avLst/>
+          </a:prstGeom>
+        </p:spPr>
+      </p:pic>
+      <p:sp>
+        <p:nvSpPr>
+          <p:cNvPr id="7" name="TextBox 6"/>
+          <p:cNvSpPr txBox="1"/>
+          <p:nvPr/>
+        </p:nvSpPr>
+        <p:spPr>
+          <a:xfrm>
+            <a:off x="457200" y="3657600"/>
+            <a:ext cx="8229600" cy="365760"/>
+          </a:xfrm>
+          <a:prstGeom prst="rect">
             <a:avLst/>
           </a:prstGeom>
           <a:solidFill>
-            <a:srgbClr val="0070C0"/>
+            <a:srgbClr val="CC0000"/>
           </a:solidFill>
-          <a:ln>
-            <a:solidFill>
-              <a:srgbClr val="0070C0"/>
-            </a:solidFill>
-          </a:ln>
-        </p:spPr>
-        <p:style>
-          <a:lnRef idx="1">
-            <a:schemeClr val="accent1"/>
-          </a:lnRef>
-          <a:fillRef idx="3">
-            <a:schemeClr val="accent1"/>
-          </a:fillRef>
-          <a:effectRef idx="2">
-            <a:schemeClr val="accent1"/>
-          </a:effectRef>
-          <a:fontRef idx="minor">
-            <a:schemeClr val="lt1"/>
-          </a:fontRef>
-        </p:style>
-        <p:txBody>
-          <a:bodyPr rtlCol="0" anchor="ctr"/>
+        </p:spPr>
+        <p:txBody>
+          <a:bodyPr wrap="none">
+            <a:spAutoFit/>
+          </a:bodyPr>
           <a:lstStyle/>
           <a:p>
             <a:pPr algn="ctr">
@@ -7813,7 +8494,7 @@
               </a:defRPr>
             </a:pPr>
             <a:r>
-              <a:t>32.91% Crafter Score</a:t>
+              <a:t>Extended Schedule (200k ε-decay): ε from 1.0→0.05 over 200k steps ✗ LOWER PERFORMANCE (-12%)</a:t>
             </a:r>
           </a:p>
         </p:txBody>
@@ -7826,18 +8507,18 @@
         </p:nvSpPr>
         <p:spPr>
           <a:xfrm>
-            <a:off x="4937760" y="6035040"/>
-            <a:ext cx="2560320" cy="548640"/>
+            <a:off x="457200" y="6217920"/>
+            <a:ext cx="8229600" cy="411480"/>
           </a:xfrm>
           <a:prstGeom prst="roundRect">
             <a:avLst/>
           </a:prstGeom>
           <a:solidFill>
-            <a:srgbClr val="FF9900"/>
+            <a:srgbClr val="FFF0F0"/>
           </a:solidFill>
           <a:ln>
             <a:solidFill>
-              <a:srgbClr val="FF9900"/>
+              <a:srgbClr val="CC0000"/>
             </a:solidFill>
           </a:ln>
         </p:spPr>
@@ -7856,72 +8537,21 @@
           </a:fontRef>
         </p:style>
         <p:txBody>
-          <a:bodyPr rtlCol="0" anchor="ctr"/>
-          <a:lstStyle/>
-          <a:p>
-            <a:pPr algn="ctr">
-              <a:defRPr sz="1400" b="1">
+          <a:bodyPr rtlCol="0" anchor="ctr" wrap="square"/>
+          <a:lstStyle/>
+          <a:p>
+            <a:pPr algn="ctr"/>
+          </a:p>
+          <a:p>
+            <a:pPr>
+              <a:defRPr sz="1100" b="1">
                 <a:solidFill>
-                  <a:srgbClr val="FFFFFF"/>
+                  <a:srgbClr val="CC0000"/>
                 </a:solidFill>
               </a:defRPr>
             </a:pPr>
             <a:r>
-              <a:t>Gap: Human 50% vs Agent 33%</a:t>
-            </a:r>
-          </a:p>
-        </p:txBody>
-      </p:sp>
-      <p:sp>
-        <p:nvSpPr>
-          <p:cNvPr id="9" name="Rounded Rectangle 8"/>
-          <p:cNvSpPr/>
-          <p:nvPr/>
-        </p:nvSpPr>
-        <p:spPr>
-          <a:xfrm>
-            <a:off x="7680960" y="6035040"/>
-            <a:ext cx="1005840" cy="548640"/>
-          </a:xfrm>
-          <a:prstGeom prst="roundRect">
-            <a:avLst/>
-          </a:prstGeom>
-          <a:solidFill>
-            <a:srgbClr val="009900"/>
-          </a:solidFill>
-          <a:ln>
-            <a:solidFill>
-              <a:srgbClr val="009900"/>
-            </a:solidFill>
-          </a:ln>
-        </p:spPr>
-        <p:style>
-          <a:lnRef idx="1">
-            <a:schemeClr val="accent1"/>
-          </a:lnRef>
-          <a:fillRef idx="3">
-            <a:schemeClr val="accent1"/>
-          </a:fillRef>
-          <a:effectRef idx="2">
-            <a:schemeClr val="accent1"/>
-          </a:effectRef>
-          <a:fontRef idx="minor">
-            <a:schemeClr val="lt1"/>
-          </a:fontRef>
-        </p:style>
-        <p:txBody>
-          <a:bodyPr rtlCol="0" anchor="ctr"/>
-          <a:lstStyle/>
-          <a:p>
-            <a:pPr algn="ctr">
-              <a:defRPr sz="1400" b="1">
-                <a:solidFill>
-                  <a:srgbClr val="FFFFFF"/>
-                </a:solidFill>
-              </a:defRPr>
-            </a:pPr>
-            <a:r>
-              <a:t>BONUS ✓</a:t>
+              <a:t>Conclusion: Standard (top) shows sharp improvement at 50k → final 4.90. Extended (bottom) slows learning until 200k → only 4.33 (-12%). Why? Too much random exploration delays Q-network convergence to good policy.</a:t>
             </a:r>
           </a:p>
         </p:txBody>
